--- a/Java Урок 2 Змінні. Перетворення типів. БО.pptx
+++ b/Java Урок 2 Змінні. Перетворення типів. БО.pptx
@@ -5,7 +5,7 @@
     <p:sldMasterId id="2147483648" r:id="rId1"/>
   </p:sldMasterIdLst>
   <p:notesMasterIdLst>
-    <p:notesMasterId r:id="rId26"/>
+    <p:notesMasterId r:id="rId24"/>
   </p:notesMasterIdLst>
   <p:sldIdLst>
     <p:sldId id="257" r:id="rId2"/>
@@ -19,19 +19,17 @@
     <p:sldId id="275" r:id="rId10"/>
     <p:sldId id="276" r:id="rId11"/>
     <p:sldId id="289" r:id="rId12"/>
-    <p:sldId id="904" r:id="rId13"/>
-    <p:sldId id="903" r:id="rId14"/>
-    <p:sldId id="736" r:id="rId15"/>
-    <p:sldId id="258" r:id="rId16"/>
-    <p:sldId id="259" r:id="rId17"/>
-    <p:sldId id="260" r:id="rId18"/>
-    <p:sldId id="263" r:id="rId19"/>
-    <p:sldId id="261" r:id="rId20"/>
-    <p:sldId id="262" r:id="rId21"/>
-    <p:sldId id="266" r:id="rId22"/>
-    <p:sldId id="265" r:id="rId23"/>
-    <p:sldId id="267" r:id="rId24"/>
-    <p:sldId id="727" r:id="rId25"/>
+    <p:sldId id="736" r:id="rId13"/>
+    <p:sldId id="258" r:id="rId14"/>
+    <p:sldId id="259" r:id="rId15"/>
+    <p:sldId id="260" r:id="rId16"/>
+    <p:sldId id="263" r:id="rId17"/>
+    <p:sldId id="261" r:id="rId18"/>
+    <p:sldId id="262" r:id="rId19"/>
+    <p:sldId id="266" r:id="rId20"/>
+    <p:sldId id="265" r:id="rId21"/>
+    <p:sldId id="267" r:id="rId22"/>
+    <p:sldId id="727" r:id="rId23"/>
   </p:sldIdLst>
   <p:sldSz cx="12192000" cy="6858000"/>
   <p:notesSz cx="6858000" cy="9144000"/>
@@ -246,7 +244,7 @@
           <a:p>
             <a:fld id="{116B662A-27A0-4358-8A41-57FE58D47770}" type="datetimeFigureOut">
               <a:rPr lang="uk-UA" smtClean="0"/>
-              <a:t>08.02.2024</a:t>
+              <a:t>01.03.2024</a:t>
             </a:fld>
             <a:endParaRPr lang="uk-UA"/>
           </a:p>
@@ -599,91 +597,6 @@
 </p:notes>
 </file>
 
-<file path=ppt/notesSlides/notesSlide2.xml><?xml version="1.0" encoding="utf-8"?>
-<p:notes xmlns:a="http://schemas.openxmlformats.org/drawingml/2006/main" xmlns:r="http://schemas.openxmlformats.org/officeDocument/2006/relationships" xmlns:p="http://schemas.openxmlformats.org/presentationml/2006/main">
-  <p:cSld>
-    <p:spTree>
-      <p:nvGrpSpPr>
-        <p:cNvPr id="1" name=""/>
-        <p:cNvGrpSpPr/>
-        <p:nvPr/>
-      </p:nvGrpSpPr>
-      <p:grpSpPr>
-        <a:xfrm>
-          <a:off x="0" y="0"/>
-          <a:ext cx="0" cy="0"/>
-          <a:chOff x="0" y="0"/>
-          <a:chExt cx="0" cy="0"/>
-        </a:xfrm>
-      </p:grpSpPr>
-      <p:sp>
-        <p:nvSpPr>
-          <p:cNvPr id="2" name="Образ слайда 1"/>
-          <p:cNvSpPr>
-            <a:spLocks noGrp="1" noRot="1" noChangeAspect="1"/>
-          </p:cNvSpPr>
-          <p:nvPr>
-            <p:ph type="sldImg"/>
-          </p:nvPr>
-        </p:nvSpPr>
-        <p:spPr/>
-      </p:sp>
-      <p:sp>
-        <p:nvSpPr>
-          <p:cNvPr id="3" name="Заметки 2"/>
-          <p:cNvSpPr>
-            <a:spLocks noGrp="1"/>
-          </p:cNvSpPr>
-          <p:nvPr>
-            <p:ph type="body" idx="1"/>
-          </p:nvPr>
-        </p:nvSpPr>
-        <p:spPr/>
-        <p:txBody>
-          <a:bodyPr/>
-          <a:lstStyle/>
-          <a:p>
-            <a:endParaRPr lang="LID4096" dirty="0"/>
-          </a:p>
-        </p:txBody>
-      </p:sp>
-      <p:sp>
-        <p:nvSpPr>
-          <p:cNvPr id="4" name="Номер слайда 3"/>
-          <p:cNvSpPr>
-            <a:spLocks noGrp="1"/>
-          </p:cNvSpPr>
-          <p:nvPr>
-            <p:ph type="sldNum" sz="quarter" idx="5"/>
-          </p:nvPr>
-        </p:nvSpPr>
-        <p:spPr/>
-        <p:txBody>
-          <a:bodyPr/>
-          <a:lstStyle/>
-          <a:p>
-            <a:fld id="{B17F7970-59C6-41CF-871B-3BD368FB3BBF}" type="slidenum">
-              <a:rPr lang="de-DE" altLang="ru-RU" smtClean="0"/>
-              <a:pPr/>
-              <a:t>12</a:t>
-            </a:fld>
-            <a:endParaRPr lang="de-DE" altLang="ru-RU"/>
-          </a:p>
-        </p:txBody>
-      </p:sp>
-    </p:spTree>
-    <p:extLst>
-      <p:ext uri="{BB962C8B-B14F-4D97-AF65-F5344CB8AC3E}">
-        <p14:creationId xmlns:p14="http://schemas.microsoft.com/office/powerpoint/2010/main" val="2972585184"/>
-      </p:ext>
-    </p:extLst>
-  </p:cSld>
-  <p:clrMapOvr>
-    <a:masterClrMapping/>
-  </p:clrMapOvr>
-</p:notes>
-</file>
-
 <file path=ppt/slideLayouts/slideLayout1.xml><?xml version="1.0" encoding="utf-8"?>
 <p:sldLayout xmlns:a="http://schemas.openxmlformats.org/drawingml/2006/main" xmlns:r="http://schemas.openxmlformats.org/officeDocument/2006/relationships" xmlns:p="http://schemas.openxmlformats.org/presentationml/2006/main" type="title" preserve="1">
   <p:cSld name="Титульный слайд">
@@ -833,7 +746,7 @@
           <a:p>
             <a:fld id="{58E66397-81EA-4CFE-ABE0-DFAF6EB92EF1}" type="datetimeFigureOut">
               <a:rPr lang="uk-UA" smtClean="0"/>
-              <a:t>08.02.2024</a:t>
+              <a:t>01.03.2024</a:t>
             </a:fld>
             <a:endParaRPr lang="uk-UA"/>
           </a:p>
@@ -1033,7 +946,7 @@
           <a:p>
             <a:fld id="{58E66397-81EA-4CFE-ABE0-DFAF6EB92EF1}" type="datetimeFigureOut">
               <a:rPr lang="uk-UA" smtClean="0"/>
-              <a:t>08.02.2024</a:t>
+              <a:t>01.03.2024</a:t>
             </a:fld>
             <a:endParaRPr lang="uk-UA"/>
           </a:p>
@@ -1243,7 +1156,7 @@
           <a:p>
             <a:fld id="{58E66397-81EA-4CFE-ABE0-DFAF6EB92EF1}" type="datetimeFigureOut">
               <a:rPr lang="uk-UA" smtClean="0"/>
-              <a:t>08.02.2024</a:t>
+              <a:t>01.03.2024</a:t>
             </a:fld>
             <a:endParaRPr lang="uk-UA"/>
           </a:p>
@@ -1316,129 +1229,6 @@
 </p:sldLayout>
 </file>
 
-<file path=ppt/slideLayouts/slideLayout12.xml><?xml version="1.0" encoding="utf-8"?>
-<p:sldLayout xmlns:a="http://schemas.openxmlformats.org/drawingml/2006/main" xmlns:r="http://schemas.openxmlformats.org/officeDocument/2006/relationships" xmlns:p="http://schemas.openxmlformats.org/presentationml/2006/main" userDrawn="1">
-  <p:cSld name="Titel und Inhalt">
-    <p:spTree>
-      <p:nvGrpSpPr>
-        <p:cNvPr id="1" name=""/>
-        <p:cNvGrpSpPr/>
-        <p:nvPr/>
-      </p:nvGrpSpPr>
-      <p:grpSpPr>
-        <a:xfrm>
-          <a:off x="0" y="0"/>
-          <a:ext cx="0" cy="0"/>
-          <a:chOff x="0" y="0"/>
-          <a:chExt cx="0" cy="0"/>
-        </a:xfrm>
-      </p:grpSpPr>
-      <p:sp>
-        <p:nvSpPr>
-          <p:cNvPr id="5" name="Заголовок 4"/>
-          <p:cNvSpPr>
-            <a:spLocks noGrp="1"/>
-          </p:cNvSpPr>
-          <p:nvPr>
-            <p:ph type="title"/>
-          </p:nvPr>
-        </p:nvSpPr>
-        <p:spPr/>
-        <p:txBody>
-          <a:bodyPr/>
-          <a:lstStyle/>
-          <a:p>
-            <a:r>
-              <a:rPr lang="ru-RU"/>
-              <a:t>Образец заголовка</a:t>
-            </a:r>
-          </a:p>
-        </p:txBody>
-      </p:sp>
-      <p:sp>
-        <p:nvSpPr>
-          <p:cNvPr id="7" name="Объект 6"/>
-          <p:cNvSpPr>
-            <a:spLocks noGrp="1"/>
-          </p:cNvSpPr>
-          <p:nvPr>
-            <p:ph sz="quarter" idx="11"/>
-          </p:nvPr>
-        </p:nvSpPr>
-        <p:spPr>
-          <a:xfrm>
-            <a:off x="645584" y="1617663"/>
-            <a:ext cx="10972800" cy="4500000"/>
-          </a:xfrm>
-        </p:spPr>
-        <p:txBody>
-          <a:bodyPr/>
-          <a:lstStyle/>
-          <a:p>
-            <a:pPr lvl="0"/>
-            <a:r>
-              <a:rPr lang="ru-RU"/>
-              <a:t>Образец текста</a:t>
-            </a:r>
-          </a:p>
-          <a:p>
-            <a:pPr lvl="1"/>
-            <a:r>
-              <a:rPr lang="ru-RU"/>
-              <a:t>Второй уровень</a:t>
-            </a:r>
-          </a:p>
-          <a:p>
-            <a:pPr lvl="2"/>
-            <a:r>
-              <a:rPr lang="ru-RU"/>
-              <a:t>Третий уровень</a:t>
-            </a:r>
-          </a:p>
-        </p:txBody>
-      </p:sp>
-      <p:sp>
-        <p:nvSpPr>
-          <p:cNvPr id="4" name="Нижний колонтитул 3"/>
-          <p:cNvSpPr>
-            <a:spLocks noGrp="1"/>
-          </p:cNvSpPr>
-          <p:nvPr>
-            <p:ph type="ftr" sz="quarter" idx="12"/>
-          </p:nvPr>
-        </p:nvSpPr>
-        <p:spPr/>
-        <p:txBody>
-          <a:bodyPr/>
-          <a:lstStyle>
-            <a:lvl1pPr>
-              <a:defRPr/>
-            </a:lvl1pPr>
-          </a:lstStyle>
-          <a:p>
-            <a:pPr>
-              <a:defRPr/>
-            </a:pPr>
-            <a:r>
-              <a:rPr lang="ru-RU"/>
-              <a:t>Нижний колонтитул</a:t>
-            </a:r>
-          </a:p>
-        </p:txBody>
-      </p:sp>
-    </p:spTree>
-    <p:extLst>
-      <p:ext uri="{BB962C8B-B14F-4D97-AF65-F5344CB8AC3E}">
-        <p14:creationId xmlns:p14="http://schemas.microsoft.com/office/powerpoint/2010/main" val="3992954348"/>
-      </p:ext>
-    </p:extLst>
-  </p:cSld>
-  <p:clrMapOvr>
-    <a:masterClrMapping/>
-  </p:clrMapOvr>
-</p:sldLayout>
-</file>
-
 <file path=ppt/slideLayouts/slideLayout2.xml><?xml version="1.0" encoding="utf-8"?>
 <p:sldLayout xmlns:a="http://schemas.openxmlformats.org/drawingml/2006/main" xmlns:r="http://schemas.openxmlformats.org/officeDocument/2006/relationships" xmlns:p="http://schemas.openxmlformats.org/presentationml/2006/main" type="obj" preserve="1">
   <p:cSld name="Заголовок и объект">
@@ -1566,7 +1356,7 @@
           <a:p>
             <a:fld id="{58E66397-81EA-4CFE-ABE0-DFAF6EB92EF1}" type="datetimeFigureOut">
               <a:rPr lang="uk-UA" smtClean="0"/>
-              <a:t>08.02.2024</a:t>
+              <a:t>01.03.2024</a:t>
             </a:fld>
             <a:endParaRPr lang="uk-UA"/>
           </a:p>
@@ -1842,7 +1632,7 @@
           <a:p>
             <a:fld id="{58E66397-81EA-4CFE-ABE0-DFAF6EB92EF1}" type="datetimeFigureOut">
               <a:rPr lang="uk-UA" smtClean="0"/>
-              <a:t>08.02.2024</a:t>
+              <a:t>01.03.2024</a:t>
             </a:fld>
             <a:endParaRPr lang="uk-UA"/>
           </a:p>
@@ -2110,7 +1900,7 @@
           <a:p>
             <a:fld id="{58E66397-81EA-4CFE-ABE0-DFAF6EB92EF1}" type="datetimeFigureOut">
               <a:rPr lang="uk-UA" smtClean="0"/>
-              <a:t>08.02.2024</a:t>
+              <a:t>01.03.2024</a:t>
             </a:fld>
             <a:endParaRPr lang="uk-UA"/>
           </a:p>
@@ -2525,7 +2315,7 @@
           <a:p>
             <a:fld id="{58E66397-81EA-4CFE-ABE0-DFAF6EB92EF1}" type="datetimeFigureOut">
               <a:rPr lang="uk-UA" smtClean="0"/>
-              <a:t>08.02.2024</a:t>
+              <a:t>01.03.2024</a:t>
             </a:fld>
             <a:endParaRPr lang="uk-UA"/>
           </a:p>
@@ -2667,7 +2457,7 @@
           <a:p>
             <a:fld id="{58E66397-81EA-4CFE-ABE0-DFAF6EB92EF1}" type="datetimeFigureOut">
               <a:rPr lang="uk-UA" smtClean="0"/>
-              <a:t>08.02.2024</a:t>
+              <a:t>01.03.2024</a:t>
             </a:fld>
             <a:endParaRPr lang="uk-UA"/>
           </a:p>
@@ -2780,7 +2570,7 @@
           <a:p>
             <a:fld id="{58E66397-81EA-4CFE-ABE0-DFAF6EB92EF1}" type="datetimeFigureOut">
               <a:rPr lang="uk-UA" smtClean="0"/>
-              <a:t>08.02.2024</a:t>
+              <a:t>01.03.2024</a:t>
             </a:fld>
             <a:endParaRPr lang="uk-UA"/>
           </a:p>
@@ -3093,7 +2883,7 @@
           <a:p>
             <a:fld id="{58E66397-81EA-4CFE-ABE0-DFAF6EB92EF1}" type="datetimeFigureOut">
               <a:rPr lang="uk-UA" smtClean="0"/>
-              <a:t>08.02.2024</a:t>
+              <a:t>01.03.2024</a:t>
             </a:fld>
             <a:endParaRPr lang="uk-UA"/>
           </a:p>
@@ -3382,7 +3172,7 @@
           <a:p>
             <a:fld id="{58E66397-81EA-4CFE-ABE0-DFAF6EB92EF1}" type="datetimeFigureOut">
               <a:rPr lang="uk-UA" smtClean="0"/>
-              <a:t>08.02.2024</a:t>
+              <a:t>01.03.2024</a:t>
             </a:fld>
             <a:endParaRPr lang="uk-UA"/>
           </a:p>
@@ -3625,7 +3415,7 @@
           <a:p>
             <a:fld id="{58E66397-81EA-4CFE-ABE0-DFAF6EB92EF1}" type="datetimeFigureOut">
               <a:rPr lang="uk-UA" smtClean="0"/>
-              <a:t>08.02.2024</a:t>
+              <a:t>01.03.2024</a:t>
             </a:fld>
             <a:endParaRPr lang="uk-UA"/>
           </a:p>
@@ -3741,7 +3531,6 @@
     <p:sldLayoutId id="2147483657" r:id="rId9"/>
     <p:sldLayoutId id="2147483658" r:id="rId10"/>
     <p:sldLayoutId id="2147483659" r:id="rId11"/>
-    <p:sldLayoutId id="2147483660" r:id="rId12"/>
   </p:sldLayoutIdLst>
   <p:txStyles>
     <p:titleStyle>
@@ -5395,15 +5184,6 @@
                 <a:tailEnd/>
               </a14:hiddenLine>
             </a:ext>
-            <a:ext uri="{AF507438-7753-43E0-B8FC-AC1667EBCBE1}">
-              <a14:hiddenEffects xmlns:a14="http://schemas.microsoft.com/office/drawing/2010/main">
-                <a:effectLst>
-                  <a:outerShdw dist="35921" dir="2700000" algn="ctr" rotWithShape="0">
-                    <a:schemeClr val="bg2"/>
-                  </a:outerShdw>
-                </a:effectLst>
-              </a14:hiddenEffects>
-            </a:ext>
           </a:extLst>
         </p:spPr>
         <p:txBody>
@@ -6513,679 +6293,6 @@
 </file>
 
 <file path=ppt/slides/slide12.xml><?xml version="1.0" encoding="utf-8"?>
-<p:sld xmlns:a="http://schemas.openxmlformats.org/drawingml/2006/main" xmlns:r="http://schemas.openxmlformats.org/officeDocument/2006/relationships" xmlns:p="http://schemas.openxmlformats.org/presentationml/2006/main">
-  <p:cSld>
-    <p:spTree>
-      <p:nvGrpSpPr>
-        <p:cNvPr id="1" name=""/>
-        <p:cNvGrpSpPr/>
-        <p:nvPr/>
-      </p:nvGrpSpPr>
-      <p:grpSpPr>
-        <a:xfrm>
-          <a:off x="0" y="0"/>
-          <a:ext cx="0" cy="0"/>
-          <a:chOff x="0" y="0"/>
-          <a:chExt cx="0" cy="0"/>
-        </a:xfrm>
-      </p:grpSpPr>
-      <p:sp>
-        <p:nvSpPr>
-          <p:cNvPr id="2" name="Заголовок 1">
-            <a:extLst>
-              <a:ext uri="{FF2B5EF4-FFF2-40B4-BE49-F238E27FC236}">
-                <a16:creationId xmlns:a16="http://schemas.microsoft.com/office/drawing/2014/main" id="{91A489AD-D073-7E48-30C7-029DD07874AD}"/>
-              </a:ext>
-            </a:extLst>
-          </p:cNvPr>
-          <p:cNvSpPr>
-            <a:spLocks noGrp="1"/>
-          </p:cNvSpPr>
-          <p:nvPr>
-            <p:ph type="title"/>
-          </p:nvPr>
-        </p:nvSpPr>
-        <p:spPr>
-          <a:xfrm>
-            <a:off x="0" y="0"/>
-            <a:ext cx="12192000" cy="744718"/>
-          </a:xfrm>
-        </p:spPr>
-        <p:txBody>
-          <a:bodyPr>
-            <a:normAutofit/>
-          </a:bodyPr>
-          <a:lstStyle/>
-          <a:p>
-            <a:pPr algn="ctr"/>
-            <a:r>
-              <a:rPr lang="uk-UA" b="1" dirty="0">
-                <a:latin typeface="Times New Roman" panose="02020603050405020304" pitchFamily="18" charset="0"/>
-                <a:cs typeface="Times New Roman" panose="02020603050405020304" pitchFamily="18" charset="0"/>
-              </a:rPr>
-              <a:t>Форматування в коментарях</a:t>
-            </a:r>
-            <a:endParaRPr lang="LID4096" b="1" dirty="0">
-              <a:latin typeface="Times New Roman" panose="02020603050405020304" pitchFamily="18" charset="0"/>
-              <a:cs typeface="Times New Roman" panose="02020603050405020304" pitchFamily="18" charset="0"/>
-            </a:endParaRPr>
-          </a:p>
-        </p:txBody>
-      </p:sp>
-      <p:sp>
-        <p:nvSpPr>
-          <p:cNvPr id="3" name="Объект 2">
-            <a:extLst>
-              <a:ext uri="{FF2B5EF4-FFF2-40B4-BE49-F238E27FC236}">
-                <a16:creationId xmlns:a16="http://schemas.microsoft.com/office/drawing/2014/main" id="{ED9C3B1F-7875-D3A0-0692-2EB0F005D0C1}"/>
-              </a:ext>
-            </a:extLst>
-          </p:cNvPr>
-          <p:cNvSpPr>
-            <a:spLocks noGrp="1"/>
-          </p:cNvSpPr>
-          <p:nvPr>
-            <p:ph sz="quarter" idx="11"/>
-          </p:nvPr>
-        </p:nvSpPr>
-        <p:spPr>
-          <a:xfrm>
-            <a:off x="405353" y="873076"/>
-            <a:ext cx="11472419" cy="4500000"/>
-          </a:xfrm>
-        </p:spPr>
-        <p:txBody>
-          <a:bodyPr>
-            <a:normAutofit/>
-          </a:bodyPr>
-          <a:lstStyle/>
-          <a:p>
-            <a:r>
-              <a:rPr lang="en-US" sz="3600" dirty="0">
-                <a:latin typeface="Times New Roman" panose="02020603050405020304" pitchFamily="18" charset="0"/>
-                <a:cs typeface="Times New Roman" panose="02020603050405020304" pitchFamily="18" charset="0"/>
-              </a:rPr>
-              <a:t>&lt;</a:t>
-            </a:r>
-            <a:r>
-              <a:rPr lang="en-US" sz="3600" dirty="0" err="1">
-                <a:latin typeface="Times New Roman" panose="02020603050405020304" pitchFamily="18" charset="0"/>
-                <a:cs typeface="Times New Roman" panose="02020603050405020304" pitchFamily="18" charset="0"/>
-              </a:rPr>
-              <a:t>em</a:t>
-            </a:r>
-            <a:r>
-              <a:rPr lang="en-US" sz="3600" dirty="0">
-                <a:latin typeface="Times New Roman" panose="02020603050405020304" pitchFamily="18" charset="0"/>
-                <a:cs typeface="Times New Roman" panose="02020603050405020304" pitchFamily="18" charset="0"/>
-              </a:rPr>
-              <a:t>&gt;…&lt;/</a:t>
-            </a:r>
-            <a:r>
-              <a:rPr lang="en-US" sz="3600" dirty="0" err="1">
-                <a:latin typeface="Times New Roman" panose="02020603050405020304" pitchFamily="18" charset="0"/>
-                <a:cs typeface="Times New Roman" panose="02020603050405020304" pitchFamily="18" charset="0"/>
-              </a:rPr>
-              <a:t>em</a:t>
-            </a:r>
-            <a:r>
-              <a:rPr lang="en-US" sz="3600" dirty="0">
-                <a:latin typeface="Times New Roman" panose="02020603050405020304" pitchFamily="18" charset="0"/>
-                <a:cs typeface="Times New Roman" panose="02020603050405020304" pitchFamily="18" charset="0"/>
-              </a:rPr>
-              <a:t>&gt; - </a:t>
-            </a:r>
-            <a:r>
-              <a:rPr lang="uk-UA" sz="3600" dirty="0">
-                <a:latin typeface="Times New Roman" panose="02020603050405020304" pitchFamily="18" charset="0"/>
-                <a:cs typeface="Times New Roman" panose="02020603050405020304" pitchFamily="18" charset="0"/>
-              </a:rPr>
-              <a:t>для того, щоб текст виділявся курсивом</a:t>
-            </a:r>
-          </a:p>
-          <a:p>
-            <a:r>
-              <a:rPr lang="uk-UA" sz="3600" dirty="0">
-                <a:latin typeface="Times New Roman" panose="02020603050405020304" pitchFamily="18" charset="0"/>
-                <a:cs typeface="Times New Roman" panose="02020603050405020304" pitchFamily="18" charset="0"/>
-              </a:rPr>
-              <a:t>&lt;</a:t>
-            </a:r>
-            <a:r>
-              <a:rPr lang="en-US" sz="3600" dirty="0">
-                <a:latin typeface="Times New Roman" panose="02020603050405020304" pitchFamily="18" charset="0"/>
-                <a:cs typeface="Times New Roman" panose="02020603050405020304" pitchFamily="18" charset="0"/>
-              </a:rPr>
-              <a:t>code&gt;…&lt;/code&gt; - </a:t>
-            </a:r>
-            <a:r>
-              <a:rPr lang="uk-UA" sz="3600" dirty="0">
-                <a:latin typeface="Times New Roman" panose="02020603050405020304" pitchFamily="18" charset="0"/>
-                <a:cs typeface="Times New Roman" panose="02020603050405020304" pitchFamily="18" charset="0"/>
-              </a:rPr>
-              <a:t>для того, щоб текст був у </a:t>
-            </a:r>
-            <a:r>
-              <a:rPr lang="uk-UA" sz="3600" dirty="0" err="1">
-                <a:latin typeface="Times New Roman" panose="02020603050405020304" pitchFamily="18" charset="0"/>
-                <a:cs typeface="Times New Roman" panose="02020603050405020304" pitchFamily="18" charset="0"/>
-              </a:rPr>
-              <a:t>моноширинному</a:t>
-            </a:r>
-            <a:r>
-              <a:rPr lang="uk-UA" sz="3600" dirty="0">
-                <a:latin typeface="Times New Roman" panose="02020603050405020304" pitchFamily="18" charset="0"/>
-                <a:cs typeface="Times New Roman" panose="02020603050405020304" pitchFamily="18" charset="0"/>
-              </a:rPr>
-              <a:t> шрифті</a:t>
-            </a:r>
-          </a:p>
-          <a:p>
-            <a:r>
-              <a:rPr lang="uk-UA" sz="3600" dirty="0">
-                <a:latin typeface="Times New Roman" panose="02020603050405020304" pitchFamily="18" charset="0"/>
-                <a:cs typeface="Times New Roman" panose="02020603050405020304" pitchFamily="18" charset="0"/>
-              </a:rPr>
-              <a:t>&lt;</a:t>
-            </a:r>
-            <a:r>
-              <a:rPr lang="en-US" sz="3600" dirty="0">
-                <a:latin typeface="Times New Roman" panose="02020603050405020304" pitchFamily="18" charset="0"/>
-                <a:cs typeface="Times New Roman" panose="02020603050405020304" pitchFamily="18" charset="0"/>
-              </a:rPr>
-              <a:t>strong&gt;…&lt;/strong&gt; - </a:t>
-            </a:r>
-            <a:r>
-              <a:rPr lang="uk-UA" sz="3600" dirty="0">
-                <a:latin typeface="Times New Roman" panose="02020603050405020304" pitchFamily="18" charset="0"/>
-                <a:cs typeface="Times New Roman" panose="02020603050405020304" pitchFamily="18" charset="0"/>
-              </a:rPr>
-              <a:t>для того, щоб текст виділявся напівжирним шрифтом</a:t>
-            </a:r>
-          </a:p>
-          <a:p>
-            <a:r>
-              <a:rPr lang="uk-UA" sz="3600" dirty="0">
-                <a:latin typeface="Times New Roman" panose="02020603050405020304" pitchFamily="18" charset="0"/>
-                <a:cs typeface="Times New Roman" panose="02020603050405020304" pitchFamily="18" charset="0"/>
-              </a:rPr>
-              <a:t>&lt;</a:t>
-            </a:r>
-            <a:r>
-              <a:rPr lang="en-US" sz="3600" dirty="0" err="1">
-                <a:latin typeface="Times New Roman" panose="02020603050405020304" pitchFamily="18" charset="0"/>
-                <a:cs typeface="Times New Roman" panose="02020603050405020304" pitchFamily="18" charset="0"/>
-              </a:rPr>
-              <a:t>img</a:t>
-            </a:r>
-            <a:r>
-              <a:rPr lang="en-US" sz="3600" dirty="0">
-                <a:latin typeface="Times New Roman" panose="02020603050405020304" pitchFamily="18" charset="0"/>
-                <a:cs typeface="Times New Roman" panose="02020603050405020304" pitchFamily="18" charset="0"/>
-              </a:rPr>
-              <a:t>…&gt; - </a:t>
-            </a:r>
-            <a:r>
-              <a:rPr lang="uk-UA" sz="3600" dirty="0">
-                <a:latin typeface="Times New Roman" panose="02020603050405020304" pitchFamily="18" charset="0"/>
-                <a:cs typeface="Times New Roman" panose="02020603050405020304" pitchFamily="18" charset="0"/>
-              </a:rPr>
-              <a:t>для того, щоб вставити зображення</a:t>
-            </a:r>
-            <a:endParaRPr lang="en-US" sz="3600" dirty="0">
-              <a:latin typeface="Times New Roman" panose="02020603050405020304" pitchFamily="18" charset="0"/>
-              <a:cs typeface="Times New Roman" panose="02020603050405020304" pitchFamily="18" charset="0"/>
-            </a:endParaRPr>
-          </a:p>
-        </p:txBody>
-      </p:sp>
-    </p:spTree>
-    <p:extLst>
-      <p:ext uri="{BB962C8B-B14F-4D97-AF65-F5344CB8AC3E}">
-        <p14:creationId xmlns:p14="http://schemas.microsoft.com/office/powerpoint/2010/main" val="1936340237"/>
-      </p:ext>
-    </p:extLst>
-  </p:cSld>
-  <p:clrMapOvr>
-    <a:masterClrMapping/>
-  </p:clrMapOvr>
-</p:sld>
-</file>
-
-<file path=ppt/slides/slide13.xml><?xml version="1.0" encoding="utf-8"?>
-<p:sld xmlns:a="http://schemas.openxmlformats.org/drawingml/2006/main" xmlns:r="http://schemas.openxmlformats.org/officeDocument/2006/relationships" xmlns:p="http://schemas.openxmlformats.org/presentationml/2006/main">
-  <p:cSld>
-    <p:spTree>
-      <p:nvGrpSpPr>
-        <p:cNvPr id="1" name=""/>
-        <p:cNvGrpSpPr/>
-        <p:nvPr/>
-      </p:nvGrpSpPr>
-      <p:grpSpPr>
-        <a:xfrm>
-          <a:off x="0" y="0"/>
-          <a:ext cx="0" cy="0"/>
-          <a:chOff x="0" y="0"/>
-          <a:chExt cx="0" cy="0"/>
-        </a:xfrm>
-      </p:grpSpPr>
-      <p:sp>
-        <p:nvSpPr>
-          <p:cNvPr id="2" name="Заголовок 1">
-            <a:extLst>
-              <a:ext uri="{FF2B5EF4-FFF2-40B4-BE49-F238E27FC236}">
-                <a16:creationId xmlns:a16="http://schemas.microsoft.com/office/drawing/2014/main" id="{F3BDCCA8-4351-2ADC-6BAD-AF4D16AC6729}"/>
-              </a:ext>
-            </a:extLst>
-          </p:cNvPr>
-          <p:cNvSpPr>
-            <a:spLocks noGrp="1"/>
-          </p:cNvSpPr>
-          <p:nvPr>
-            <p:ph type="title"/>
-          </p:nvPr>
-        </p:nvSpPr>
-        <p:spPr>
-          <a:xfrm>
-            <a:off x="0" y="40232"/>
-            <a:ext cx="12192000" cy="903351"/>
-          </a:xfrm>
-        </p:spPr>
-        <p:txBody>
-          <a:bodyPr>
-            <a:normAutofit fontScale="90000"/>
-          </a:bodyPr>
-          <a:lstStyle/>
-          <a:p>
-            <a:pPr algn="ctr"/>
-            <a:r>
-              <a:rPr lang="uk-UA" sz="6000" b="1" dirty="0">
-                <a:latin typeface="Times New Roman" panose="02020603050405020304" pitchFamily="18" charset="0"/>
-                <a:cs typeface="Times New Roman" panose="02020603050405020304" pitchFamily="18" charset="0"/>
-              </a:rPr>
-              <a:t>Дескриптори</a:t>
-            </a:r>
-            <a:endParaRPr lang="LID4096" sz="6000" b="1" dirty="0">
-              <a:latin typeface="Times New Roman" panose="02020603050405020304" pitchFamily="18" charset="0"/>
-              <a:cs typeface="Times New Roman" panose="02020603050405020304" pitchFamily="18" charset="0"/>
-            </a:endParaRPr>
-          </a:p>
-        </p:txBody>
-      </p:sp>
-      <p:sp>
-        <p:nvSpPr>
-          <p:cNvPr id="3" name="Объект 2">
-            <a:extLst>
-              <a:ext uri="{FF2B5EF4-FFF2-40B4-BE49-F238E27FC236}">
-                <a16:creationId xmlns:a16="http://schemas.microsoft.com/office/drawing/2014/main" id="{D6CF282D-8F25-1C7E-1AFB-D23882634F23}"/>
-              </a:ext>
-            </a:extLst>
-          </p:cNvPr>
-          <p:cNvSpPr>
-            <a:spLocks noGrp="1"/>
-          </p:cNvSpPr>
-          <p:nvPr>
-            <p:ph sz="quarter" idx="11"/>
-          </p:nvPr>
-        </p:nvSpPr>
-        <p:spPr>
-          <a:xfrm>
-            <a:off x="609600" y="1257739"/>
-            <a:ext cx="10972800" cy="4500000"/>
-          </a:xfrm>
-        </p:spPr>
-        <p:txBody>
-          <a:bodyPr>
-            <a:normAutofit/>
-          </a:bodyPr>
-          <a:lstStyle/>
-          <a:p>
-            <a:pPr marL="0" indent="0">
-              <a:buNone/>
-            </a:pPr>
-            <a:r>
-              <a:rPr lang="ru-RU" sz="3600" dirty="0" err="1">
-                <a:latin typeface="Times New Roman" panose="02020603050405020304" pitchFamily="18" charset="0"/>
-                <a:cs typeface="Times New Roman" panose="02020603050405020304" pitchFamily="18" charset="0"/>
-              </a:rPr>
-              <a:t>Автономні</a:t>
-            </a:r>
-            <a:r>
-              <a:rPr lang="ru-RU" sz="3600" dirty="0">
-                <a:latin typeface="Times New Roman" panose="02020603050405020304" pitchFamily="18" charset="0"/>
-                <a:cs typeface="Times New Roman" panose="02020603050405020304" pitchFamily="18" charset="0"/>
-              </a:rPr>
-              <a:t> </a:t>
-            </a:r>
-            <a:r>
-              <a:rPr lang="ru-RU" sz="3600" dirty="0" err="1">
-                <a:latin typeface="Times New Roman" panose="02020603050405020304" pitchFamily="18" charset="0"/>
-                <a:cs typeface="Times New Roman" panose="02020603050405020304" pitchFamily="18" charset="0"/>
-              </a:rPr>
-              <a:t>коментарі</a:t>
-            </a:r>
-            <a:r>
-              <a:rPr lang="ru-RU" sz="3600" dirty="0">
-                <a:latin typeface="Times New Roman" panose="02020603050405020304" pitchFamily="18" charset="0"/>
-                <a:cs typeface="Times New Roman" panose="02020603050405020304" pitchFamily="18" charset="0"/>
-              </a:rPr>
-              <a:t> </a:t>
-            </a:r>
-            <a:r>
-              <a:rPr lang="ru-RU" sz="3600" dirty="0" err="1">
-                <a:latin typeface="Times New Roman" panose="02020603050405020304" pitchFamily="18" charset="0"/>
-                <a:cs typeface="Times New Roman" panose="02020603050405020304" pitchFamily="18" charset="0"/>
-              </a:rPr>
-              <a:t>починаються</a:t>
-            </a:r>
-            <a:r>
-              <a:rPr lang="ru-RU" sz="3600" dirty="0">
-                <a:latin typeface="Times New Roman" panose="02020603050405020304" pitchFamily="18" charset="0"/>
-                <a:cs typeface="Times New Roman" panose="02020603050405020304" pitchFamily="18" charset="0"/>
-              </a:rPr>
-              <a:t> </a:t>
-            </a:r>
-            <a:r>
-              <a:rPr lang="ru-RU" sz="3600" dirty="0" err="1">
-                <a:latin typeface="Times New Roman" panose="02020603050405020304" pitchFamily="18" charset="0"/>
-                <a:cs typeface="Times New Roman" panose="02020603050405020304" pitchFamily="18" charset="0"/>
-              </a:rPr>
-              <a:t>зі</a:t>
-            </a:r>
-            <a:r>
-              <a:rPr lang="ru-RU" sz="3600" dirty="0">
-                <a:latin typeface="Times New Roman" panose="02020603050405020304" pitchFamily="18" charset="0"/>
-                <a:cs typeface="Times New Roman" panose="02020603050405020304" pitchFamily="18" charset="0"/>
-              </a:rPr>
-              <a:t> знака @, </a:t>
-            </a:r>
-            <a:r>
-              <a:rPr lang="ru-RU" sz="3600" dirty="0" err="1">
-                <a:latin typeface="Times New Roman" panose="02020603050405020304" pitchFamily="18" charset="0"/>
-                <a:cs typeface="Times New Roman" panose="02020603050405020304" pitchFamily="18" charset="0"/>
-              </a:rPr>
-              <a:t>який</a:t>
-            </a:r>
-            <a:r>
-              <a:rPr lang="ru-RU" sz="3600" dirty="0">
-                <a:latin typeface="Times New Roman" panose="02020603050405020304" pitchFamily="18" charset="0"/>
-                <a:cs typeface="Times New Roman" panose="02020603050405020304" pitchFamily="18" charset="0"/>
-              </a:rPr>
-              <a:t> </a:t>
-            </a:r>
-            <a:r>
-              <a:rPr lang="ru-RU" sz="3600" dirty="0" err="1">
-                <a:latin typeface="Times New Roman" panose="02020603050405020304" pitchFamily="18" charset="0"/>
-                <a:cs typeface="Times New Roman" panose="02020603050405020304" pitchFamily="18" charset="0"/>
-              </a:rPr>
-              <a:t>має</a:t>
-            </a:r>
-            <a:r>
-              <a:rPr lang="ru-RU" sz="3600" dirty="0">
-                <a:latin typeface="Times New Roman" panose="02020603050405020304" pitchFamily="18" charset="0"/>
-                <a:cs typeface="Times New Roman" panose="02020603050405020304" pitchFamily="18" charset="0"/>
-              </a:rPr>
-              <a:t> бути на початку рядка </a:t>
-            </a:r>
-            <a:r>
-              <a:rPr lang="ru-RU" sz="3600" dirty="0" err="1">
-                <a:latin typeface="Times New Roman" panose="02020603050405020304" pitchFamily="18" charset="0"/>
-                <a:cs typeface="Times New Roman" panose="02020603050405020304" pitchFamily="18" charset="0"/>
-              </a:rPr>
-              <a:t>коментаря</a:t>
-            </a:r>
-            <a:r>
-              <a:rPr lang="ru-RU" sz="3600" dirty="0">
-                <a:latin typeface="Times New Roman" panose="02020603050405020304" pitchFamily="18" charset="0"/>
-                <a:cs typeface="Times New Roman" panose="02020603050405020304" pitchFamily="18" charset="0"/>
-              </a:rPr>
-              <a:t>. У </a:t>
-            </a:r>
-            <a:r>
-              <a:rPr lang="ru-RU" sz="3600" dirty="0" err="1">
-                <a:latin typeface="Times New Roman" panose="02020603050405020304" pitchFamily="18" charset="0"/>
-                <a:cs typeface="Times New Roman" panose="02020603050405020304" pitchFamily="18" charset="0"/>
-              </a:rPr>
-              <a:t>цьому</a:t>
-            </a:r>
-            <a:r>
-              <a:rPr lang="ru-RU" sz="3600" dirty="0">
-                <a:latin typeface="Times New Roman" panose="02020603050405020304" pitchFamily="18" charset="0"/>
-                <a:cs typeface="Times New Roman" panose="02020603050405020304" pitchFamily="18" charset="0"/>
-              </a:rPr>
-              <a:t> </a:t>
-            </a:r>
-            <a:r>
-              <a:rPr lang="ru-RU" sz="3600" dirty="0" err="1">
-                <a:latin typeface="Times New Roman" panose="02020603050405020304" pitchFamily="18" charset="0"/>
-                <a:cs typeface="Times New Roman" panose="02020603050405020304" pitchFamily="18" charset="0"/>
-              </a:rPr>
-              <a:t>випадку</a:t>
-            </a:r>
-            <a:r>
-              <a:rPr lang="ru-RU" sz="3600" dirty="0">
-                <a:latin typeface="Times New Roman" panose="02020603050405020304" pitchFamily="18" charset="0"/>
-                <a:cs typeface="Times New Roman" panose="02020603050405020304" pitchFamily="18" charset="0"/>
-              </a:rPr>
-              <a:t> символ *, </a:t>
-            </a:r>
-            <a:r>
-              <a:rPr lang="ru-RU" sz="3600" dirty="0" err="1">
-                <a:latin typeface="Times New Roman" panose="02020603050405020304" pitchFamily="18" charset="0"/>
-                <a:cs typeface="Times New Roman" panose="02020603050405020304" pitchFamily="18" charset="0"/>
-              </a:rPr>
-              <a:t>якщо</a:t>
-            </a:r>
-            <a:r>
-              <a:rPr lang="ru-RU" sz="3600" dirty="0">
-                <a:latin typeface="Times New Roman" panose="02020603050405020304" pitchFamily="18" charset="0"/>
-                <a:cs typeface="Times New Roman" panose="02020603050405020304" pitchFamily="18" charset="0"/>
-              </a:rPr>
-              <a:t> </a:t>
-            </a:r>
-            <a:r>
-              <a:rPr lang="ru-RU" sz="3600" dirty="0" err="1">
-                <a:latin typeface="Times New Roman" panose="02020603050405020304" pitchFamily="18" charset="0"/>
-                <a:cs typeface="Times New Roman" panose="02020603050405020304" pitchFamily="18" charset="0"/>
-              </a:rPr>
-              <a:t>він</a:t>
-            </a:r>
-            <a:r>
-              <a:rPr lang="ru-RU" sz="3600" dirty="0">
-                <a:latin typeface="Times New Roman" panose="02020603050405020304" pitchFamily="18" charset="0"/>
-                <a:cs typeface="Times New Roman" panose="02020603050405020304" pitchFamily="18" charset="0"/>
-              </a:rPr>
-              <a:t> </a:t>
-            </a:r>
-            <a:r>
-              <a:rPr lang="ru-RU" sz="3600" dirty="0" err="1">
-                <a:latin typeface="Times New Roman" panose="02020603050405020304" pitchFamily="18" charset="0"/>
-                <a:cs typeface="Times New Roman" panose="02020603050405020304" pitchFamily="18" charset="0"/>
-              </a:rPr>
-              <a:t>присутній</a:t>
-            </a:r>
-            <a:r>
-              <a:rPr lang="ru-RU" sz="3600" dirty="0">
-                <a:latin typeface="Times New Roman" panose="02020603050405020304" pitchFamily="18" charset="0"/>
-                <a:cs typeface="Times New Roman" panose="02020603050405020304" pitchFamily="18" charset="0"/>
-              </a:rPr>
-              <a:t> на початку, не буде </a:t>
-            </a:r>
-            <a:r>
-              <a:rPr lang="ru-RU" sz="3600" dirty="0" err="1">
-                <a:latin typeface="Times New Roman" panose="02020603050405020304" pitchFamily="18" charset="0"/>
-                <a:cs typeface="Times New Roman" panose="02020603050405020304" pitchFamily="18" charset="0"/>
-              </a:rPr>
-              <a:t>враховуватись</a:t>
-            </a:r>
-            <a:r>
-              <a:rPr lang="ru-RU" sz="3600" dirty="0">
-                <a:latin typeface="Times New Roman" panose="02020603050405020304" pitchFamily="18" charset="0"/>
-                <a:cs typeface="Times New Roman" panose="02020603050405020304" pitchFamily="18" charset="0"/>
-              </a:rPr>
-              <a:t>. </a:t>
-            </a:r>
-            <a:r>
-              <a:rPr lang="ru-RU" sz="3600" dirty="0" err="1">
-                <a:latin typeface="Times New Roman" panose="02020603050405020304" pitchFamily="18" charset="0"/>
-                <a:cs typeface="Times New Roman" panose="02020603050405020304" pitchFamily="18" charset="0"/>
-              </a:rPr>
-              <a:t>Вбудовані</a:t>
-            </a:r>
-            <a:r>
-              <a:rPr lang="ru-RU" sz="3600" dirty="0">
-                <a:latin typeface="Times New Roman" panose="02020603050405020304" pitchFamily="18" charset="0"/>
-                <a:cs typeface="Times New Roman" panose="02020603050405020304" pitchFamily="18" charset="0"/>
-              </a:rPr>
-              <a:t> </a:t>
-            </a:r>
-            <a:r>
-              <a:rPr lang="ru-RU" sz="3600" dirty="0" err="1">
-                <a:latin typeface="Times New Roman" panose="02020603050405020304" pitchFamily="18" charset="0"/>
-                <a:cs typeface="Times New Roman" panose="02020603050405020304" pitchFamily="18" charset="0"/>
-              </a:rPr>
-              <a:t>коментарі</a:t>
-            </a:r>
-            <a:r>
-              <a:rPr lang="ru-RU" sz="3600" dirty="0">
-                <a:latin typeface="Times New Roman" panose="02020603050405020304" pitchFamily="18" charset="0"/>
-                <a:cs typeface="Times New Roman" panose="02020603050405020304" pitchFamily="18" charset="0"/>
-              </a:rPr>
-              <a:t> </a:t>
-            </a:r>
-            <a:r>
-              <a:rPr lang="ru-RU" sz="3600" dirty="0" err="1">
-                <a:latin typeface="Times New Roman" panose="02020603050405020304" pitchFamily="18" charset="0"/>
-                <a:cs typeface="Times New Roman" panose="02020603050405020304" pitchFamily="18" charset="0"/>
-              </a:rPr>
-              <a:t>починаються</a:t>
-            </a:r>
-            <a:r>
-              <a:rPr lang="ru-RU" sz="3600" dirty="0">
-                <a:latin typeface="Times New Roman" panose="02020603050405020304" pitchFamily="18" charset="0"/>
-                <a:cs typeface="Times New Roman" panose="02020603050405020304" pitchFamily="18" charset="0"/>
-              </a:rPr>
-              <a:t> з </a:t>
-            </a:r>
-            <a:r>
-              <a:rPr lang="ru-RU" sz="3600" dirty="0" err="1">
-                <a:latin typeface="Times New Roman" panose="02020603050405020304" pitchFamily="18" charset="0"/>
-                <a:cs typeface="Times New Roman" panose="02020603050405020304" pitchFamily="18" charset="0"/>
-              </a:rPr>
-              <a:t>фігурної</a:t>
-            </a:r>
-            <a:r>
-              <a:rPr lang="ru-RU" sz="3600" dirty="0">
-                <a:latin typeface="Times New Roman" panose="02020603050405020304" pitchFamily="18" charset="0"/>
-                <a:cs typeface="Times New Roman" panose="02020603050405020304" pitchFamily="18" charset="0"/>
-              </a:rPr>
-              <a:t> дужки, </a:t>
-            </a:r>
-            <a:r>
-              <a:rPr lang="ru-RU" sz="3600" dirty="0" err="1">
-                <a:latin typeface="Times New Roman" panose="02020603050405020304" pitchFamily="18" charset="0"/>
-                <a:cs typeface="Times New Roman" panose="02020603050405020304" pitchFamily="18" charset="0"/>
-              </a:rPr>
-              <a:t>наприклад</a:t>
-            </a:r>
-            <a:r>
-              <a:rPr lang="ru-RU" sz="3600" dirty="0">
-                <a:latin typeface="Times New Roman" panose="02020603050405020304" pitchFamily="18" charset="0"/>
-                <a:cs typeface="Times New Roman" panose="02020603050405020304" pitchFamily="18" charset="0"/>
-              </a:rPr>
-              <a:t>, {@</a:t>
-            </a:r>
-            <a:r>
-              <a:rPr lang="en-US" sz="3600" dirty="0">
-                <a:latin typeface="Times New Roman" panose="02020603050405020304" pitchFamily="18" charset="0"/>
-                <a:cs typeface="Times New Roman" panose="02020603050405020304" pitchFamily="18" charset="0"/>
-              </a:rPr>
-              <a:t>code}, </a:t>
-            </a:r>
-            <a:r>
-              <a:rPr lang="ru-RU" sz="3600" dirty="0">
-                <a:latin typeface="Times New Roman" panose="02020603050405020304" pitchFamily="18" charset="0"/>
-                <a:cs typeface="Times New Roman" panose="02020603050405020304" pitchFamily="18" charset="0"/>
-              </a:rPr>
-              <a:t>і </a:t>
-            </a:r>
-            <a:r>
-              <a:rPr lang="ru-RU" sz="3600" dirty="0" err="1">
-                <a:latin typeface="Times New Roman" panose="02020603050405020304" pitchFamily="18" charset="0"/>
-                <a:cs typeface="Times New Roman" panose="02020603050405020304" pitchFamily="18" charset="0"/>
-              </a:rPr>
-              <a:t>можуть</a:t>
-            </a:r>
-            <a:r>
-              <a:rPr lang="ru-RU" sz="3600" dirty="0">
-                <a:latin typeface="Times New Roman" panose="02020603050405020304" pitchFamily="18" charset="0"/>
-                <a:cs typeface="Times New Roman" panose="02020603050405020304" pitchFamily="18" charset="0"/>
-              </a:rPr>
-              <a:t> бути </a:t>
-            </a:r>
-            <a:r>
-              <a:rPr lang="ru-RU" sz="3600" dirty="0" err="1">
-                <a:latin typeface="Times New Roman" panose="02020603050405020304" pitchFamily="18" charset="0"/>
-                <a:cs typeface="Times New Roman" panose="02020603050405020304" pitchFamily="18" charset="0"/>
-              </a:rPr>
-              <a:t>використані</a:t>
-            </a:r>
-            <a:r>
-              <a:rPr lang="ru-RU" sz="3600" dirty="0">
-                <a:latin typeface="Times New Roman" panose="02020603050405020304" pitchFamily="18" charset="0"/>
-                <a:cs typeface="Times New Roman" panose="02020603050405020304" pitchFamily="18" charset="0"/>
-              </a:rPr>
-              <a:t> </a:t>
-            </a:r>
-            <a:r>
-              <a:rPr lang="ru-RU" sz="3600" dirty="0" err="1">
-                <a:latin typeface="Times New Roman" panose="02020603050405020304" pitchFamily="18" charset="0"/>
-                <a:cs typeface="Times New Roman" panose="02020603050405020304" pitchFamily="18" charset="0"/>
-              </a:rPr>
-              <a:t>всередині</a:t>
-            </a:r>
-            <a:r>
-              <a:rPr lang="ru-RU" sz="3600" dirty="0">
-                <a:latin typeface="Times New Roman" panose="02020603050405020304" pitchFamily="18" charset="0"/>
-                <a:cs typeface="Times New Roman" panose="02020603050405020304" pitchFamily="18" charset="0"/>
-              </a:rPr>
-              <a:t> </a:t>
-            </a:r>
-            <a:r>
-              <a:rPr lang="ru-RU" sz="3600" dirty="0" err="1">
-                <a:latin typeface="Times New Roman" panose="02020603050405020304" pitchFamily="18" charset="0"/>
-                <a:cs typeface="Times New Roman" panose="02020603050405020304" pitchFamily="18" charset="0"/>
-              </a:rPr>
-              <a:t>опису</a:t>
-            </a:r>
-            <a:r>
-              <a:rPr lang="ru-RU" sz="3600" dirty="0">
-                <a:latin typeface="Times New Roman" panose="02020603050405020304" pitchFamily="18" charset="0"/>
-                <a:cs typeface="Times New Roman" panose="02020603050405020304" pitchFamily="18" charset="0"/>
-              </a:rPr>
-              <a:t>.</a:t>
-            </a:r>
-            <a:endParaRPr lang="LID4096" sz="3600" dirty="0">
-              <a:latin typeface="Times New Roman" panose="02020603050405020304" pitchFamily="18" charset="0"/>
-              <a:cs typeface="Times New Roman" panose="02020603050405020304" pitchFamily="18" charset="0"/>
-            </a:endParaRPr>
-          </a:p>
-        </p:txBody>
-      </p:sp>
-    </p:spTree>
-    <p:extLst>
-      <p:ext uri="{BB962C8B-B14F-4D97-AF65-F5344CB8AC3E}">
-        <p14:creationId xmlns:p14="http://schemas.microsoft.com/office/powerpoint/2010/main" val="4204559657"/>
-      </p:ext>
-    </p:extLst>
-  </p:cSld>
-  <p:clrMapOvr>
-    <a:masterClrMapping/>
-  </p:clrMapOvr>
-</p:sld>
-</file>
-
-<file path=ppt/slides/slide14.xml><?xml version="1.0" encoding="utf-8"?>
 <p:sld xmlns:a="http://schemas.openxmlformats.org/drawingml/2006/main" xmlns:r="http://schemas.openxmlformats.org/officeDocument/2006/relationships" xmlns:p="http://schemas.openxmlformats.org/presentationml/2006/main">
   <p:cSld>
     <p:spTree>
@@ -8740,7 +7847,7 @@
 </p:sld>
 </file>
 
-<file path=ppt/slides/slide15.xml><?xml version="1.0" encoding="utf-8"?>
+<file path=ppt/slides/slide13.xml><?xml version="1.0" encoding="utf-8"?>
 <p:sld xmlns:a="http://schemas.openxmlformats.org/drawingml/2006/main" xmlns:r="http://schemas.openxmlformats.org/officeDocument/2006/relationships" xmlns:p="http://schemas.openxmlformats.org/presentationml/2006/main">
   <p:cSld>
     <p:spTree>
@@ -8839,7 +7946,7 @@
 </p:sld>
 </file>
 
-<file path=ppt/slides/slide16.xml><?xml version="1.0" encoding="utf-8"?>
+<file path=ppt/slides/slide14.xml><?xml version="1.0" encoding="utf-8"?>
 <p:sld xmlns:a="http://schemas.openxmlformats.org/drawingml/2006/main" xmlns:r="http://schemas.openxmlformats.org/officeDocument/2006/relationships" xmlns:p="http://schemas.openxmlformats.org/presentationml/2006/main">
   <p:cSld>
     <p:spTree>
@@ -10816,7 +9923,7 @@
 </p:sld>
 </file>
 
-<file path=ppt/slides/slide17.xml><?xml version="1.0" encoding="utf-8"?>
+<file path=ppt/slides/slide15.xml><?xml version="1.0" encoding="utf-8"?>
 <p:sld xmlns:a="http://schemas.openxmlformats.org/drawingml/2006/main" xmlns:r="http://schemas.openxmlformats.org/officeDocument/2006/relationships" xmlns:p="http://schemas.openxmlformats.org/presentationml/2006/main">
   <p:cSld>
     <p:spTree>
@@ -12310,7 +11417,7 @@
 </p:sld>
 </file>
 
-<file path=ppt/slides/slide18.xml><?xml version="1.0" encoding="utf-8"?>
+<file path=ppt/slides/slide16.xml><?xml version="1.0" encoding="utf-8"?>
 <p:sld xmlns:a="http://schemas.openxmlformats.org/drawingml/2006/main" xmlns:r="http://schemas.openxmlformats.org/officeDocument/2006/relationships" xmlns:p="http://schemas.openxmlformats.org/presentationml/2006/main">
   <p:cSld>
     <p:spTree>
@@ -14324,7 +13431,7 @@
 </p:sld>
 </file>
 
-<file path=ppt/slides/slide19.xml><?xml version="1.0" encoding="utf-8"?>
+<file path=ppt/slides/slide17.xml><?xml version="1.0" encoding="utf-8"?>
 <p:sld xmlns:a="http://schemas.openxmlformats.org/drawingml/2006/main" xmlns:r="http://schemas.openxmlformats.org/officeDocument/2006/relationships" xmlns:p="http://schemas.openxmlformats.org/presentationml/2006/main">
   <p:cSld>
     <p:spTree>
@@ -16212,391 +15319,7 @@
 </p:sld>
 </file>
 
-<file path=ppt/slides/slide2.xml><?xml version="1.0" encoding="utf-8"?>
-<p:sld xmlns:a="http://schemas.openxmlformats.org/drawingml/2006/main" xmlns:r="http://schemas.openxmlformats.org/officeDocument/2006/relationships" xmlns:p="http://schemas.openxmlformats.org/presentationml/2006/main">
-  <p:cSld>
-    <p:spTree>
-      <p:nvGrpSpPr>
-        <p:cNvPr id="1" name=""/>
-        <p:cNvGrpSpPr/>
-        <p:nvPr/>
-      </p:nvGrpSpPr>
-      <p:grpSpPr>
-        <a:xfrm>
-          <a:off x="0" y="0"/>
-          <a:ext cx="0" cy="0"/>
-          <a:chOff x="0" y="0"/>
-          <a:chExt cx="0" cy="0"/>
-        </a:xfrm>
-      </p:grpSpPr>
-      <p:sp>
-        <p:nvSpPr>
-          <p:cNvPr id="2" name="TextBox 1">
-            <a:extLst>
-              <a:ext uri="{FF2B5EF4-FFF2-40B4-BE49-F238E27FC236}">
-                <a16:creationId xmlns:a16="http://schemas.microsoft.com/office/drawing/2014/main" id="{BB7B8F0F-302D-4338-93CE-B9D9B7784A16}"/>
-              </a:ext>
-            </a:extLst>
-          </p:cNvPr>
-          <p:cNvSpPr txBox="1"/>
-          <p:nvPr/>
-        </p:nvSpPr>
-        <p:spPr>
-          <a:xfrm>
-            <a:off x="0" y="48496"/>
-            <a:ext cx="12191999" cy="923330"/>
-          </a:xfrm>
-          <a:prstGeom prst="rect">
-            <a:avLst/>
-          </a:prstGeom>
-          <a:noFill/>
-        </p:spPr>
-        <p:txBody>
-          <a:bodyPr wrap="square" rtlCol="0">
-            <a:spAutoFit/>
-          </a:bodyPr>
-          <a:lstStyle/>
-          <a:p>
-            <a:pPr algn="ctr"/>
-            <a:r>
-              <a:rPr lang="uk-UA" sz="5400" dirty="0">
-                <a:latin typeface="Times New Roman" panose="02020603050405020304" pitchFamily="18" charset="0"/>
-                <a:cs typeface="Times New Roman" panose="02020603050405020304" pitchFamily="18" charset="0"/>
-              </a:rPr>
-              <a:t>Змінна</a:t>
-            </a:r>
-            <a:endParaRPr lang="uk-UA" dirty="0">
-              <a:latin typeface="Times New Roman" panose="02020603050405020304" pitchFamily="18" charset="0"/>
-              <a:cs typeface="Times New Roman" panose="02020603050405020304" pitchFamily="18" charset="0"/>
-            </a:endParaRPr>
-          </a:p>
-        </p:txBody>
-      </p:sp>
-      <p:sp>
-        <p:nvSpPr>
-          <p:cNvPr id="3" name="TextBox 2">
-            <a:extLst>
-              <a:ext uri="{FF2B5EF4-FFF2-40B4-BE49-F238E27FC236}">
-                <a16:creationId xmlns:a16="http://schemas.microsoft.com/office/drawing/2014/main" id="{77C56473-FF2A-41DB-A795-DCBA0E8894FD}"/>
-              </a:ext>
-            </a:extLst>
-          </p:cNvPr>
-          <p:cNvSpPr txBox="1"/>
-          <p:nvPr/>
-        </p:nvSpPr>
-        <p:spPr>
-          <a:xfrm>
-            <a:off x="179109" y="1291224"/>
-            <a:ext cx="11670384" cy="954107"/>
-          </a:xfrm>
-          <a:prstGeom prst="rect">
-            <a:avLst/>
-          </a:prstGeom>
-          <a:noFill/>
-        </p:spPr>
-        <p:txBody>
-          <a:bodyPr wrap="square" rtlCol="0">
-            <a:spAutoFit/>
-          </a:bodyPr>
-          <a:lstStyle/>
-          <a:p>
-            <a:r>
-              <a:rPr lang="ru-RU" sz="2800" b="1" i="0" dirty="0">
-                <a:solidFill>
-                  <a:srgbClr val="FF6600"/>
-                </a:solidFill>
-                <a:effectLst/>
-                <a:latin typeface="Times New Roman" panose="02020603050405020304" pitchFamily="18" charset="0"/>
-                <a:cs typeface="Times New Roman" panose="02020603050405020304" pitchFamily="18" charset="0"/>
-              </a:rPr>
-              <a:t>	</a:t>
-            </a:r>
-            <a:r>
-              <a:rPr lang="ru-RU" sz="2800" b="1" i="0" dirty="0" err="1">
-                <a:solidFill>
-                  <a:srgbClr val="FF6600"/>
-                </a:solidFill>
-                <a:effectLst/>
-                <a:latin typeface="Times New Roman" panose="02020603050405020304" pitchFamily="18" charset="0"/>
-                <a:cs typeface="Times New Roman" panose="02020603050405020304" pitchFamily="18" charset="0"/>
-              </a:rPr>
-              <a:t>Змінна</a:t>
-            </a:r>
-            <a:r>
-              <a:rPr lang="ru-RU" sz="2800" b="1" i="0" dirty="0">
-                <a:solidFill>
-                  <a:srgbClr val="FF6600"/>
-                </a:solidFill>
-                <a:effectLst/>
-                <a:latin typeface="Times New Roman" panose="02020603050405020304" pitchFamily="18" charset="0"/>
-                <a:cs typeface="Times New Roman" panose="02020603050405020304" pitchFamily="18" charset="0"/>
-              </a:rPr>
-              <a:t> – </a:t>
-            </a:r>
-            <a:r>
-              <a:rPr lang="ru-RU" sz="2800" b="1" i="0" dirty="0" err="1">
-                <a:solidFill>
-                  <a:srgbClr val="FF6600"/>
-                </a:solidFill>
-                <a:effectLst/>
-                <a:latin typeface="Times New Roman" panose="02020603050405020304" pitchFamily="18" charset="0"/>
-                <a:cs typeface="Times New Roman" panose="02020603050405020304" pitchFamily="18" charset="0"/>
-              </a:rPr>
-              <a:t>це</a:t>
-            </a:r>
-            <a:r>
-              <a:rPr lang="ru-RU" sz="2800" b="1" i="0" dirty="0">
-                <a:solidFill>
-                  <a:srgbClr val="444444"/>
-                </a:solidFill>
-                <a:effectLst/>
-                <a:latin typeface="Times New Roman" panose="02020603050405020304" pitchFamily="18" charset="0"/>
-                <a:cs typeface="Times New Roman" panose="02020603050405020304" pitchFamily="18" charset="0"/>
-              </a:rPr>
-              <a:t> </a:t>
-            </a:r>
-            <a:r>
-              <a:rPr lang="ru-RU" sz="2800" b="1" i="0" dirty="0" err="1">
-                <a:solidFill>
-                  <a:srgbClr val="FF6600"/>
-                </a:solidFill>
-                <a:effectLst/>
-                <a:latin typeface="Times New Roman" panose="02020603050405020304" pitchFamily="18" charset="0"/>
-                <a:cs typeface="Times New Roman" panose="02020603050405020304" pitchFamily="18" charset="0"/>
-              </a:rPr>
-              <a:t>певний</a:t>
-            </a:r>
-            <a:r>
-              <a:rPr lang="ru-RU" sz="2800" b="1" i="0" dirty="0">
-                <a:solidFill>
-                  <a:srgbClr val="FF6600"/>
-                </a:solidFill>
-                <a:effectLst/>
-                <a:latin typeface="Times New Roman" panose="02020603050405020304" pitchFamily="18" charset="0"/>
-                <a:cs typeface="Times New Roman" panose="02020603050405020304" pitchFamily="18" charset="0"/>
-              </a:rPr>
-              <a:t> контейнер, </a:t>
-            </a:r>
-            <a:r>
-              <a:rPr lang="ru-RU" sz="2800" b="0" i="0" dirty="0">
-                <a:solidFill>
-                  <a:srgbClr val="333333"/>
-                </a:solidFill>
-                <a:effectLst/>
-                <a:latin typeface="Times New Roman" panose="02020603050405020304" pitchFamily="18" charset="0"/>
-                <a:cs typeface="Times New Roman" panose="02020603050405020304" pitchFamily="18" charset="0"/>
-              </a:rPr>
-              <a:t> у </a:t>
-            </a:r>
-            <a:r>
-              <a:rPr lang="ru-RU" sz="2800" b="0" i="0" dirty="0" err="1">
-                <a:solidFill>
-                  <a:srgbClr val="333333"/>
-                </a:solidFill>
-                <a:effectLst/>
-                <a:latin typeface="Times New Roman" panose="02020603050405020304" pitchFamily="18" charset="0"/>
-                <a:cs typeface="Times New Roman" panose="02020603050405020304" pitchFamily="18" charset="0"/>
-              </a:rPr>
-              <a:t>якому</a:t>
-            </a:r>
-            <a:r>
-              <a:rPr lang="ru-RU" sz="2800" b="0" i="0" dirty="0">
-                <a:solidFill>
-                  <a:srgbClr val="333333"/>
-                </a:solidFill>
-                <a:effectLst/>
-                <a:latin typeface="Times New Roman" panose="02020603050405020304" pitchFamily="18" charset="0"/>
-                <a:cs typeface="Times New Roman" panose="02020603050405020304" pitchFamily="18" charset="0"/>
-              </a:rPr>
-              <a:t> </a:t>
-            </a:r>
-            <a:r>
-              <a:rPr lang="ru-RU" sz="2800" b="0" i="0" dirty="0" err="1">
-                <a:solidFill>
-                  <a:srgbClr val="333333"/>
-                </a:solidFill>
-                <a:effectLst/>
-                <a:latin typeface="Times New Roman" panose="02020603050405020304" pitchFamily="18" charset="0"/>
-                <a:cs typeface="Times New Roman" panose="02020603050405020304" pitchFamily="18" charset="0"/>
-              </a:rPr>
-              <a:t>може</a:t>
-            </a:r>
-            <a:r>
-              <a:rPr lang="ru-RU" sz="2800" b="0" i="0" dirty="0">
-                <a:solidFill>
-                  <a:srgbClr val="333333"/>
-                </a:solidFill>
-                <a:effectLst/>
-                <a:latin typeface="Times New Roman" panose="02020603050405020304" pitchFamily="18" charset="0"/>
-                <a:cs typeface="Times New Roman" panose="02020603050405020304" pitchFamily="18" charset="0"/>
-              </a:rPr>
-              <a:t> </a:t>
-            </a:r>
-            <a:r>
-              <a:rPr lang="ru-RU" sz="2800" b="0" i="0" dirty="0" err="1">
-                <a:solidFill>
-                  <a:srgbClr val="333333"/>
-                </a:solidFill>
-                <a:effectLst/>
-                <a:latin typeface="Times New Roman" panose="02020603050405020304" pitchFamily="18" charset="0"/>
-                <a:cs typeface="Times New Roman" panose="02020603050405020304" pitchFamily="18" charset="0"/>
-              </a:rPr>
-              <a:t>зберігатися</a:t>
-            </a:r>
-            <a:r>
-              <a:rPr lang="ru-RU" sz="2800" b="0" i="0" dirty="0">
-                <a:solidFill>
-                  <a:srgbClr val="333333"/>
-                </a:solidFill>
-                <a:effectLst/>
-                <a:latin typeface="Times New Roman" panose="02020603050405020304" pitchFamily="18" charset="0"/>
-                <a:cs typeface="Times New Roman" panose="02020603050405020304" pitchFamily="18" charset="0"/>
-              </a:rPr>
-              <a:t> </a:t>
-            </a:r>
-            <a:r>
-              <a:rPr lang="ru-RU" sz="2800" b="0" i="0" dirty="0" err="1">
-                <a:solidFill>
-                  <a:srgbClr val="333333"/>
-                </a:solidFill>
-                <a:effectLst/>
-                <a:latin typeface="Times New Roman" panose="02020603050405020304" pitchFamily="18" charset="0"/>
-                <a:cs typeface="Times New Roman" panose="02020603050405020304" pitchFamily="18" charset="0"/>
-              </a:rPr>
-              <a:t>значення</a:t>
-            </a:r>
-            <a:r>
-              <a:rPr lang="ru-RU" sz="2800" b="0" i="0" dirty="0">
-                <a:solidFill>
-                  <a:srgbClr val="333333"/>
-                </a:solidFill>
-                <a:effectLst/>
-                <a:latin typeface="Times New Roman" panose="02020603050405020304" pitchFamily="18" charset="0"/>
-                <a:cs typeface="Times New Roman" panose="02020603050405020304" pitchFamily="18" charset="0"/>
-              </a:rPr>
-              <a:t> для </a:t>
-            </a:r>
-            <a:r>
-              <a:rPr lang="ru-RU" sz="2800" b="0" i="0" dirty="0" err="1">
-                <a:solidFill>
-                  <a:srgbClr val="333333"/>
-                </a:solidFill>
-                <a:effectLst/>
-                <a:latin typeface="Times New Roman" panose="02020603050405020304" pitchFamily="18" charset="0"/>
-                <a:cs typeface="Times New Roman" panose="02020603050405020304" pitchFamily="18" charset="0"/>
-              </a:rPr>
-              <a:t>подальшого</a:t>
-            </a:r>
-            <a:r>
-              <a:rPr lang="ru-RU" sz="2800" b="0" i="0" dirty="0">
-                <a:solidFill>
-                  <a:srgbClr val="333333"/>
-                </a:solidFill>
-                <a:effectLst/>
-                <a:latin typeface="Times New Roman" panose="02020603050405020304" pitchFamily="18" charset="0"/>
-                <a:cs typeface="Times New Roman" panose="02020603050405020304" pitchFamily="18" charset="0"/>
-              </a:rPr>
-              <a:t> </a:t>
-            </a:r>
-            <a:r>
-              <a:rPr lang="ru-RU" sz="2800" b="0" i="0" dirty="0" err="1">
-                <a:solidFill>
-                  <a:srgbClr val="333333"/>
-                </a:solidFill>
-                <a:effectLst/>
-                <a:latin typeface="Times New Roman" panose="02020603050405020304" pitchFamily="18" charset="0"/>
-                <a:cs typeface="Times New Roman" panose="02020603050405020304" pitchFamily="18" charset="0"/>
-              </a:rPr>
-              <a:t>використання</a:t>
-            </a:r>
-            <a:r>
-              <a:rPr lang="ru-RU" sz="2800" b="0" i="0" dirty="0">
-                <a:solidFill>
-                  <a:srgbClr val="333333"/>
-                </a:solidFill>
-                <a:effectLst/>
-                <a:latin typeface="Times New Roman" panose="02020603050405020304" pitchFamily="18" charset="0"/>
-                <a:cs typeface="Times New Roman" panose="02020603050405020304" pitchFamily="18" charset="0"/>
-              </a:rPr>
-              <a:t> в </a:t>
-            </a:r>
-            <a:r>
-              <a:rPr lang="ru-RU" sz="2800" b="0" i="0" dirty="0" err="1">
-                <a:solidFill>
-                  <a:srgbClr val="333333"/>
-                </a:solidFill>
-                <a:effectLst/>
-                <a:latin typeface="Times New Roman" panose="02020603050405020304" pitchFamily="18" charset="0"/>
-                <a:cs typeface="Times New Roman" panose="02020603050405020304" pitchFamily="18" charset="0"/>
-              </a:rPr>
-              <a:t>програмі</a:t>
-            </a:r>
-            <a:r>
-              <a:rPr lang="ru-RU" sz="2800" b="0" i="0" dirty="0">
-                <a:solidFill>
-                  <a:srgbClr val="333333"/>
-                </a:solidFill>
-                <a:effectLst/>
-                <a:latin typeface="Times New Roman" panose="02020603050405020304" pitchFamily="18" charset="0"/>
-                <a:cs typeface="Times New Roman" panose="02020603050405020304" pitchFamily="18" charset="0"/>
-              </a:rPr>
-              <a:t>.</a:t>
-            </a:r>
-            <a:endParaRPr lang="ru-RU" sz="2800" b="0" i="0" dirty="0">
-              <a:solidFill>
-                <a:srgbClr val="444444"/>
-              </a:solidFill>
-              <a:effectLst/>
-              <a:latin typeface="Times New Roman" panose="02020603050405020304" pitchFamily="18" charset="0"/>
-              <a:cs typeface="Times New Roman" panose="02020603050405020304" pitchFamily="18" charset="0"/>
-            </a:endParaRPr>
-          </a:p>
-        </p:txBody>
-      </p:sp>
-      <p:pic>
-        <p:nvPicPr>
-          <p:cNvPr id="7" name="Рисунок 6">
-            <a:extLst>
-              <a:ext uri="{FF2B5EF4-FFF2-40B4-BE49-F238E27FC236}">
-                <a16:creationId xmlns:a16="http://schemas.microsoft.com/office/drawing/2014/main" id="{E0706E21-153D-4E26-B481-C860A7FC366A}"/>
-              </a:ext>
-            </a:extLst>
-          </p:cNvPr>
-          <p:cNvPicPr>
-            <a:picLocks noChangeAspect="1"/>
-          </p:cNvPicPr>
-          <p:nvPr/>
-        </p:nvPicPr>
-        <p:blipFill>
-          <a:blip r:embed="rId2"/>
-          <a:stretch>
-            <a:fillRect/>
-          </a:stretch>
-        </p:blipFill>
-        <p:spPr>
-          <a:xfrm>
-            <a:off x="1985324" y="2564729"/>
-            <a:ext cx="8221352" cy="3481804"/>
-          </a:xfrm>
-          <a:prstGeom prst="rect">
-            <a:avLst/>
-          </a:prstGeom>
-        </p:spPr>
-      </p:pic>
-    </p:spTree>
-    <p:extLst>
-      <p:ext uri="{BB962C8B-B14F-4D97-AF65-F5344CB8AC3E}">
-        <p14:creationId xmlns:p14="http://schemas.microsoft.com/office/powerpoint/2010/main" val="2152336658"/>
-      </p:ext>
-    </p:extLst>
-  </p:cSld>
-  <p:clrMapOvr>
-    <a:masterClrMapping/>
-  </p:clrMapOvr>
-</p:sld>
-</file>
-
-<file path=ppt/slides/slide20.xml><?xml version="1.0" encoding="utf-8"?>
+<file path=ppt/slides/slide18.xml><?xml version="1.0" encoding="utf-8"?>
 <p:sld xmlns:a="http://schemas.openxmlformats.org/drawingml/2006/main" xmlns:r="http://schemas.openxmlformats.org/officeDocument/2006/relationships" xmlns:p="http://schemas.openxmlformats.org/presentationml/2006/main">
   <p:cSld>
     <p:spTree>
@@ -18423,7 +17146,7 @@
 </p:sld>
 </file>
 
-<file path=ppt/slides/slide21.xml><?xml version="1.0" encoding="utf-8"?>
+<file path=ppt/slides/slide19.xml><?xml version="1.0" encoding="utf-8"?>
 <p:sld xmlns:a="http://schemas.openxmlformats.org/drawingml/2006/main" xmlns:r="http://schemas.openxmlformats.org/officeDocument/2006/relationships" xmlns:p="http://schemas.openxmlformats.org/presentationml/2006/main">
   <p:cSld>
     <p:spTree>
@@ -19439,7 +18162,391 @@
 </p:sld>
 </file>
 
-<file path=ppt/slides/slide22.xml><?xml version="1.0" encoding="utf-8"?>
+<file path=ppt/slides/slide2.xml><?xml version="1.0" encoding="utf-8"?>
+<p:sld xmlns:a="http://schemas.openxmlformats.org/drawingml/2006/main" xmlns:r="http://schemas.openxmlformats.org/officeDocument/2006/relationships" xmlns:p="http://schemas.openxmlformats.org/presentationml/2006/main">
+  <p:cSld>
+    <p:spTree>
+      <p:nvGrpSpPr>
+        <p:cNvPr id="1" name=""/>
+        <p:cNvGrpSpPr/>
+        <p:nvPr/>
+      </p:nvGrpSpPr>
+      <p:grpSpPr>
+        <a:xfrm>
+          <a:off x="0" y="0"/>
+          <a:ext cx="0" cy="0"/>
+          <a:chOff x="0" y="0"/>
+          <a:chExt cx="0" cy="0"/>
+        </a:xfrm>
+      </p:grpSpPr>
+      <p:sp>
+        <p:nvSpPr>
+          <p:cNvPr id="2" name="TextBox 1">
+            <a:extLst>
+              <a:ext uri="{FF2B5EF4-FFF2-40B4-BE49-F238E27FC236}">
+                <a16:creationId xmlns:a16="http://schemas.microsoft.com/office/drawing/2014/main" id="{BB7B8F0F-302D-4338-93CE-B9D9B7784A16}"/>
+              </a:ext>
+            </a:extLst>
+          </p:cNvPr>
+          <p:cNvSpPr txBox="1"/>
+          <p:nvPr/>
+        </p:nvSpPr>
+        <p:spPr>
+          <a:xfrm>
+            <a:off x="0" y="48496"/>
+            <a:ext cx="12191999" cy="923330"/>
+          </a:xfrm>
+          <a:prstGeom prst="rect">
+            <a:avLst/>
+          </a:prstGeom>
+          <a:noFill/>
+        </p:spPr>
+        <p:txBody>
+          <a:bodyPr wrap="square" rtlCol="0">
+            <a:spAutoFit/>
+          </a:bodyPr>
+          <a:lstStyle/>
+          <a:p>
+            <a:pPr algn="ctr"/>
+            <a:r>
+              <a:rPr lang="uk-UA" sz="5400" dirty="0">
+                <a:latin typeface="Times New Roman" panose="02020603050405020304" pitchFamily="18" charset="0"/>
+                <a:cs typeface="Times New Roman" panose="02020603050405020304" pitchFamily="18" charset="0"/>
+              </a:rPr>
+              <a:t>Змінна</a:t>
+            </a:r>
+            <a:endParaRPr lang="uk-UA" dirty="0">
+              <a:latin typeface="Times New Roman" panose="02020603050405020304" pitchFamily="18" charset="0"/>
+              <a:cs typeface="Times New Roman" panose="02020603050405020304" pitchFamily="18" charset="0"/>
+            </a:endParaRPr>
+          </a:p>
+        </p:txBody>
+      </p:sp>
+      <p:sp>
+        <p:nvSpPr>
+          <p:cNvPr id="3" name="TextBox 2">
+            <a:extLst>
+              <a:ext uri="{FF2B5EF4-FFF2-40B4-BE49-F238E27FC236}">
+                <a16:creationId xmlns:a16="http://schemas.microsoft.com/office/drawing/2014/main" id="{77C56473-FF2A-41DB-A795-DCBA0E8894FD}"/>
+              </a:ext>
+            </a:extLst>
+          </p:cNvPr>
+          <p:cNvSpPr txBox="1"/>
+          <p:nvPr/>
+        </p:nvSpPr>
+        <p:spPr>
+          <a:xfrm>
+            <a:off x="179109" y="1291224"/>
+            <a:ext cx="11670384" cy="954107"/>
+          </a:xfrm>
+          <a:prstGeom prst="rect">
+            <a:avLst/>
+          </a:prstGeom>
+          <a:noFill/>
+        </p:spPr>
+        <p:txBody>
+          <a:bodyPr wrap="square" rtlCol="0">
+            <a:spAutoFit/>
+          </a:bodyPr>
+          <a:lstStyle/>
+          <a:p>
+            <a:r>
+              <a:rPr lang="ru-RU" sz="2800" b="1" i="0" dirty="0">
+                <a:solidFill>
+                  <a:srgbClr val="FF6600"/>
+                </a:solidFill>
+                <a:effectLst/>
+                <a:latin typeface="Times New Roman" panose="02020603050405020304" pitchFamily="18" charset="0"/>
+                <a:cs typeface="Times New Roman" panose="02020603050405020304" pitchFamily="18" charset="0"/>
+              </a:rPr>
+              <a:t>	</a:t>
+            </a:r>
+            <a:r>
+              <a:rPr lang="ru-RU" sz="2800" b="1" i="0" dirty="0" err="1">
+                <a:solidFill>
+                  <a:srgbClr val="FF6600"/>
+                </a:solidFill>
+                <a:effectLst/>
+                <a:latin typeface="Times New Roman" panose="02020603050405020304" pitchFamily="18" charset="0"/>
+                <a:cs typeface="Times New Roman" panose="02020603050405020304" pitchFamily="18" charset="0"/>
+              </a:rPr>
+              <a:t>Змінна</a:t>
+            </a:r>
+            <a:r>
+              <a:rPr lang="ru-RU" sz="2800" b="1" i="0" dirty="0">
+                <a:solidFill>
+                  <a:srgbClr val="FF6600"/>
+                </a:solidFill>
+                <a:effectLst/>
+                <a:latin typeface="Times New Roman" panose="02020603050405020304" pitchFamily="18" charset="0"/>
+                <a:cs typeface="Times New Roman" panose="02020603050405020304" pitchFamily="18" charset="0"/>
+              </a:rPr>
+              <a:t> – </a:t>
+            </a:r>
+            <a:r>
+              <a:rPr lang="ru-RU" sz="2800" b="1" i="0" dirty="0" err="1">
+                <a:solidFill>
+                  <a:srgbClr val="FF6600"/>
+                </a:solidFill>
+                <a:effectLst/>
+                <a:latin typeface="Times New Roman" panose="02020603050405020304" pitchFamily="18" charset="0"/>
+                <a:cs typeface="Times New Roman" panose="02020603050405020304" pitchFamily="18" charset="0"/>
+              </a:rPr>
+              <a:t>це</a:t>
+            </a:r>
+            <a:r>
+              <a:rPr lang="ru-RU" sz="2800" b="1" i="0" dirty="0">
+                <a:solidFill>
+                  <a:srgbClr val="444444"/>
+                </a:solidFill>
+                <a:effectLst/>
+                <a:latin typeface="Times New Roman" panose="02020603050405020304" pitchFamily="18" charset="0"/>
+                <a:cs typeface="Times New Roman" panose="02020603050405020304" pitchFamily="18" charset="0"/>
+              </a:rPr>
+              <a:t> </a:t>
+            </a:r>
+            <a:r>
+              <a:rPr lang="ru-RU" sz="2800" b="1" i="0" dirty="0" err="1">
+                <a:solidFill>
+                  <a:srgbClr val="FF6600"/>
+                </a:solidFill>
+                <a:effectLst/>
+                <a:latin typeface="Times New Roman" panose="02020603050405020304" pitchFamily="18" charset="0"/>
+                <a:cs typeface="Times New Roman" panose="02020603050405020304" pitchFamily="18" charset="0"/>
+              </a:rPr>
+              <a:t>певний</a:t>
+            </a:r>
+            <a:r>
+              <a:rPr lang="ru-RU" sz="2800" b="1" i="0" dirty="0">
+                <a:solidFill>
+                  <a:srgbClr val="FF6600"/>
+                </a:solidFill>
+                <a:effectLst/>
+                <a:latin typeface="Times New Roman" panose="02020603050405020304" pitchFamily="18" charset="0"/>
+                <a:cs typeface="Times New Roman" panose="02020603050405020304" pitchFamily="18" charset="0"/>
+              </a:rPr>
+              <a:t> контейнер, </a:t>
+            </a:r>
+            <a:r>
+              <a:rPr lang="ru-RU" sz="2800" b="0" i="0" dirty="0">
+                <a:solidFill>
+                  <a:srgbClr val="333333"/>
+                </a:solidFill>
+                <a:effectLst/>
+                <a:latin typeface="Times New Roman" panose="02020603050405020304" pitchFamily="18" charset="0"/>
+                <a:cs typeface="Times New Roman" panose="02020603050405020304" pitchFamily="18" charset="0"/>
+              </a:rPr>
+              <a:t> у </a:t>
+            </a:r>
+            <a:r>
+              <a:rPr lang="ru-RU" sz="2800" b="0" i="0" dirty="0" err="1">
+                <a:solidFill>
+                  <a:srgbClr val="333333"/>
+                </a:solidFill>
+                <a:effectLst/>
+                <a:latin typeface="Times New Roman" panose="02020603050405020304" pitchFamily="18" charset="0"/>
+                <a:cs typeface="Times New Roman" panose="02020603050405020304" pitchFamily="18" charset="0"/>
+              </a:rPr>
+              <a:t>якому</a:t>
+            </a:r>
+            <a:r>
+              <a:rPr lang="ru-RU" sz="2800" b="0" i="0" dirty="0">
+                <a:solidFill>
+                  <a:srgbClr val="333333"/>
+                </a:solidFill>
+                <a:effectLst/>
+                <a:latin typeface="Times New Roman" panose="02020603050405020304" pitchFamily="18" charset="0"/>
+                <a:cs typeface="Times New Roman" panose="02020603050405020304" pitchFamily="18" charset="0"/>
+              </a:rPr>
+              <a:t> </a:t>
+            </a:r>
+            <a:r>
+              <a:rPr lang="ru-RU" sz="2800" b="0" i="0" dirty="0" err="1">
+                <a:solidFill>
+                  <a:srgbClr val="333333"/>
+                </a:solidFill>
+                <a:effectLst/>
+                <a:latin typeface="Times New Roman" panose="02020603050405020304" pitchFamily="18" charset="0"/>
+                <a:cs typeface="Times New Roman" panose="02020603050405020304" pitchFamily="18" charset="0"/>
+              </a:rPr>
+              <a:t>може</a:t>
+            </a:r>
+            <a:r>
+              <a:rPr lang="ru-RU" sz="2800" b="0" i="0" dirty="0">
+                <a:solidFill>
+                  <a:srgbClr val="333333"/>
+                </a:solidFill>
+                <a:effectLst/>
+                <a:latin typeface="Times New Roman" panose="02020603050405020304" pitchFamily="18" charset="0"/>
+                <a:cs typeface="Times New Roman" panose="02020603050405020304" pitchFamily="18" charset="0"/>
+              </a:rPr>
+              <a:t> </a:t>
+            </a:r>
+            <a:r>
+              <a:rPr lang="ru-RU" sz="2800" b="0" i="0" dirty="0" err="1">
+                <a:solidFill>
+                  <a:srgbClr val="333333"/>
+                </a:solidFill>
+                <a:effectLst/>
+                <a:latin typeface="Times New Roman" panose="02020603050405020304" pitchFamily="18" charset="0"/>
+                <a:cs typeface="Times New Roman" panose="02020603050405020304" pitchFamily="18" charset="0"/>
+              </a:rPr>
+              <a:t>зберігатися</a:t>
+            </a:r>
+            <a:r>
+              <a:rPr lang="ru-RU" sz="2800" b="0" i="0" dirty="0">
+                <a:solidFill>
+                  <a:srgbClr val="333333"/>
+                </a:solidFill>
+                <a:effectLst/>
+                <a:latin typeface="Times New Roman" panose="02020603050405020304" pitchFamily="18" charset="0"/>
+                <a:cs typeface="Times New Roman" panose="02020603050405020304" pitchFamily="18" charset="0"/>
+              </a:rPr>
+              <a:t> </a:t>
+            </a:r>
+            <a:r>
+              <a:rPr lang="ru-RU" sz="2800" b="0" i="0" dirty="0" err="1">
+                <a:solidFill>
+                  <a:srgbClr val="333333"/>
+                </a:solidFill>
+                <a:effectLst/>
+                <a:latin typeface="Times New Roman" panose="02020603050405020304" pitchFamily="18" charset="0"/>
+                <a:cs typeface="Times New Roman" panose="02020603050405020304" pitchFamily="18" charset="0"/>
+              </a:rPr>
+              <a:t>значення</a:t>
+            </a:r>
+            <a:r>
+              <a:rPr lang="ru-RU" sz="2800" b="0" i="0" dirty="0">
+                <a:solidFill>
+                  <a:srgbClr val="333333"/>
+                </a:solidFill>
+                <a:effectLst/>
+                <a:latin typeface="Times New Roman" panose="02020603050405020304" pitchFamily="18" charset="0"/>
+                <a:cs typeface="Times New Roman" panose="02020603050405020304" pitchFamily="18" charset="0"/>
+              </a:rPr>
+              <a:t> для </a:t>
+            </a:r>
+            <a:r>
+              <a:rPr lang="ru-RU" sz="2800" b="0" i="0" dirty="0" err="1">
+                <a:solidFill>
+                  <a:srgbClr val="333333"/>
+                </a:solidFill>
+                <a:effectLst/>
+                <a:latin typeface="Times New Roman" panose="02020603050405020304" pitchFamily="18" charset="0"/>
+                <a:cs typeface="Times New Roman" panose="02020603050405020304" pitchFamily="18" charset="0"/>
+              </a:rPr>
+              <a:t>подальшого</a:t>
+            </a:r>
+            <a:r>
+              <a:rPr lang="ru-RU" sz="2800" b="0" i="0" dirty="0">
+                <a:solidFill>
+                  <a:srgbClr val="333333"/>
+                </a:solidFill>
+                <a:effectLst/>
+                <a:latin typeface="Times New Roman" panose="02020603050405020304" pitchFamily="18" charset="0"/>
+                <a:cs typeface="Times New Roman" panose="02020603050405020304" pitchFamily="18" charset="0"/>
+              </a:rPr>
+              <a:t> </a:t>
+            </a:r>
+            <a:r>
+              <a:rPr lang="ru-RU" sz="2800" b="0" i="0" dirty="0" err="1">
+                <a:solidFill>
+                  <a:srgbClr val="333333"/>
+                </a:solidFill>
+                <a:effectLst/>
+                <a:latin typeface="Times New Roman" panose="02020603050405020304" pitchFamily="18" charset="0"/>
+                <a:cs typeface="Times New Roman" panose="02020603050405020304" pitchFamily="18" charset="0"/>
+              </a:rPr>
+              <a:t>використання</a:t>
+            </a:r>
+            <a:r>
+              <a:rPr lang="ru-RU" sz="2800" b="0" i="0" dirty="0">
+                <a:solidFill>
+                  <a:srgbClr val="333333"/>
+                </a:solidFill>
+                <a:effectLst/>
+                <a:latin typeface="Times New Roman" panose="02020603050405020304" pitchFamily="18" charset="0"/>
+                <a:cs typeface="Times New Roman" panose="02020603050405020304" pitchFamily="18" charset="0"/>
+              </a:rPr>
+              <a:t> в </a:t>
+            </a:r>
+            <a:r>
+              <a:rPr lang="ru-RU" sz="2800" b="0" i="0" dirty="0" err="1">
+                <a:solidFill>
+                  <a:srgbClr val="333333"/>
+                </a:solidFill>
+                <a:effectLst/>
+                <a:latin typeface="Times New Roman" panose="02020603050405020304" pitchFamily="18" charset="0"/>
+                <a:cs typeface="Times New Roman" panose="02020603050405020304" pitchFamily="18" charset="0"/>
+              </a:rPr>
+              <a:t>програмі</a:t>
+            </a:r>
+            <a:r>
+              <a:rPr lang="ru-RU" sz="2800" b="0" i="0" dirty="0">
+                <a:solidFill>
+                  <a:srgbClr val="333333"/>
+                </a:solidFill>
+                <a:effectLst/>
+                <a:latin typeface="Times New Roman" panose="02020603050405020304" pitchFamily="18" charset="0"/>
+                <a:cs typeface="Times New Roman" panose="02020603050405020304" pitchFamily="18" charset="0"/>
+              </a:rPr>
+              <a:t>.</a:t>
+            </a:r>
+            <a:endParaRPr lang="ru-RU" sz="2800" b="0" i="0" dirty="0">
+              <a:solidFill>
+                <a:srgbClr val="444444"/>
+              </a:solidFill>
+              <a:effectLst/>
+              <a:latin typeface="Times New Roman" panose="02020603050405020304" pitchFamily="18" charset="0"/>
+              <a:cs typeface="Times New Roman" panose="02020603050405020304" pitchFamily="18" charset="0"/>
+            </a:endParaRPr>
+          </a:p>
+        </p:txBody>
+      </p:sp>
+      <p:pic>
+        <p:nvPicPr>
+          <p:cNvPr id="7" name="Рисунок 6">
+            <a:extLst>
+              <a:ext uri="{FF2B5EF4-FFF2-40B4-BE49-F238E27FC236}">
+                <a16:creationId xmlns:a16="http://schemas.microsoft.com/office/drawing/2014/main" id="{E0706E21-153D-4E26-B481-C860A7FC366A}"/>
+              </a:ext>
+            </a:extLst>
+          </p:cNvPr>
+          <p:cNvPicPr>
+            <a:picLocks noChangeAspect="1"/>
+          </p:cNvPicPr>
+          <p:nvPr/>
+        </p:nvPicPr>
+        <p:blipFill>
+          <a:blip r:embed="rId2"/>
+          <a:stretch>
+            <a:fillRect/>
+          </a:stretch>
+        </p:blipFill>
+        <p:spPr>
+          <a:xfrm>
+            <a:off x="1985324" y="2564729"/>
+            <a:ext cx="8221352" cy="3481804"/>
+          </a:xfrm>
+          <a:prstGeom prst="rect">
+            <a:avLst/>
+          </a:prstGeom>
+        </p:spPr>
+      </p:pic>
+    </p:spTree>
+    <p:extLst>
+      <p:ext uri="{BB962C8B-B14F-4D97-AF65-F5344CB8AC3E}">
+        <p14:creationId xmlns:p14="http://schemas.microsoft.com/office/powerpoint/2010/main" val="2152336658"/>
+      </p:ext>
+    </p:extLst>
+  </p:cSld>
+  <p:clrMapOvr>
+    <a:masterClrMapping/>
+  </p:clrMapOvr>
+</p:sld>
+</file>
+
+<file path=ppt/slides/slide20.xml><?xml version="1.0" encoding="utf-8"?>
 <p:sld xmlns:a="http://schemas.openxmlformats.org/drawingml/2006/main" xmlns:r="http://schemas.openxmlformats.org/officeDocument/2006/relationships" xmlns:p="http://schemas.openxmlformats.org/presentationml/2006/main">
   <p:cSld>
     <p:spTree>
@@ -19933,7 +19040,7 @@
 </p:sld>
 </file>
 
-<file path=ppt/slides/slide23.xml><?xml version="1.0" encoding="utf-8"?>
+<file path=ppt/slides/slide21.xml><?xml version="1.0" encoding="utf-8"?>
 <p:sld xmlns:a="http://schemas.openxmlformats.org/drawingml/2006/main" xmlns:r="http://schemas.openxmlformats.org/officeDocument/2006/relationships" xmlns:p="http://schemas.openxmlformats.org/presentationml/2006/main">
   <p:cSld>
     <p:spTree>
@@ -20296,7 +19403,7 @@
 </p:sld>
 </file>
 
-<file path=ppt/slides/slide24.xml><?xml version="1.0" encoding="utf-8"?>
+<file path=ppt/slides/slide22.xml><?xml version="1.0" encoding="utf-8"?>
 <p:sld xmlns:a="http://schemas.openxmlformats.org/drawingml/2006/main" xmlns:r="http://schemas.openxmlformats.org/officeDocument/2006/relationships" xmlns:p="http://schemas.openxmlformats.org/presentationml/2006/main">
   <p:cSld>
     <p:spTree>
@@ -20325,8 +19432,8 @@
         </p:nvSpPr>
         <p:spPr>
           <a:xfrm>
-            <a:off x="0" y="0"/>
-            <a:ext cx="12192000" cy="1325563"/>
+            <a:off x="1" y="0"/>
+            <a:ext cx="7474086" cy="1325563"/>
           </a:xfrm>
         </p:spPr>
         <p:txBody>
@@ -20356,7 +19463,7 @@
         </p:nvSpPr>
         <p:spPr>
           <a:xfrm>
-            <a:off x="1981200" y="1600201"/>
+            <a:off x="493207" y="1325563"/>
             <a:ext cx="4495800" cy="3317875"/>
           </a:xfrm>
         </p:spPr>
@@ -20470,7 +19577,7 @@
         </p:nvSpPr>
         <p:spPr>
           <a:xfrm>
-            <a:off x="6507164" y="1600201"/>
+            <a:off x="5019171" y="1325563"/>
             <a:ext cx="1863725" cy="4500563"/>
           </a:xfrm>
         </p:spPr>
@@ -27516,7 +26623,7 @@
         </p:nvSpPr>
         <p:spPr bwMode="auto">
           <a:xfrm>
-            <a:off x="2003425" y="5084763"/>
+            <a:off x="515432" y="4810125"/>
             <a:ext cx="6167438" cy="1192212"/>
           </a:xfrm>
           <a:prstGeom prst="rect">
@@ -27800,6 +26907,53 @@
           </a:p>
         </p:txBody>
       </p:sp>
+      <p:pic>
+        <p:nvPicPr>
+          <p:cNvPr id="1026" name="Picture 2" descr="Pro Java: Операторы и выражения в Java. Часть 1 - Таблица приоритетов  выполнения операторов Java">
+            <a:extLst>
+              <a:ext uri="{FF2B5EF4-FFF2-40B4-BE49-F238E27FC236}">
+                <a16:creationId xmlns:a16="http://schemas.microsoft.com/office/drawing/2014/main" id="{F7D6D2A0-82F2-4ED5-BE88-1038D1D5A1F6}"/>
+              </a:ext>
+            </a:extLst>
+          </p:cNvPr>
+          <p:cNvPicPr>
+            <a:picLocks noChangeAspect="1" noChangeArrowheads="1"/>
+          </p:cNvPicPr>
+          <p:nvPr/>
+        </p:nvPicPr>
+        <p:blipFill>
+          <a:blip r:embed="rId2">
+            <a:extLst>
+              <a:ext uri="{28A0092B-C50C-407E-A947-70E740481C1C}">
+                <a14:useLocalDpi xmlns:a14="http://schemas.microsoft.com/office/drawing/2010/main" val="0"/>
+              </a:ext>
+            </a:extLst>
+          </a:blip>
+          <a:srcRect/>
+          <a:stretch>
+            <a:fillRect/>
+          </a:stretch>
+        </p:blipFill>
+        <p:spPr bwMode="auto">
+          <a:xfrm>
+            <a:off x="7474086" y="33233"/>
+            <a:ext cx="4717914" cy="6791533"/>
+          </a:xfrm>
+          <a:prstGeom prst="rect">
+            <a:avLst/>
+          </a:prstGeom>
+          <a:noFill/>
+          <a:extLst>
+            <a:ext uri="{909E8E84-426E-40DD-AFC4-6F175D3DCCD1}">
+              <a14:hiddenFill xmlns:a14="http://schemas.microsoft.com/office/drawing/2010/main">
+                <a:solidFill>
+                  <a:srgbClr val="FFFFFF"/>
+                </a:solidFill>
+              </a14:hiddenFill>
+            </a:ext>
+          </a:extLst>
+        </p:spPr>
+      </p:pic>
     </p:spTree>
     <p:extLst>
       <p:ext uri="{BB962C8B-B14F-4D97-AF65-F5344CB8AC3E}">

--- a/Java Урок 2 Змінні. Перетворення типів. БО.pptx
+++ b/Java Урок 2 Змінні. Перетворення типів. БО.pptx
@@ -5143,7 +5143,7 @@
         </p:nvSpPr>
         <p:spPr bwMode="auto">
           <a:xfrm>
-            <a:off x="556593" y="3159917"/>
+            <a:off x="525532" y="3159917"/>
             <a:ext cx="6173817" cy="3539430"/>
           </a:xfrm>
           <a:prstGeom prst="rect">
@@ -5195,21 +5195,13 @@
           </a:bodyPr>
           <a:lstStyle/>
           <a:p>
-            <a:pPr marL="0" marR="0" lvl="0" indent="0" algn="l" defTabSz="914400" rtl="0" eaLnBrk="0" fontAlgn="base" latinLnBrk="0" hangingPunct="0">
-              <a:lnSpc>
-                <a:spcPct val="100000"/>
-              </a:lnSpc>
+            <a:pPr lvl="0" eaLnBrk="0" fontAlgn="base" hangingPunct="0">
               <a:spcBef>
                 <a:spcPct val="0"/>
               </a:spcBef>
               <a:spcAft>
                 <a:spcPct val="0"/>
               </a:spcAft>
-              <a:buClrTx/>
-              <a:buSzTx/>
-              <a:buFontTx/>
-              <a:buNone/>
-              <a:tabLst/>
             </a:pPr>
             <a:r>
               <a:rPr kumimoji="0" lang="uk-UA" altLang="uk-UA" sz="1600" b="0" i="1" u="none" strike="noStrike" cap="none" normalizeH="0" baseline="0" dirty="0">
@@ -5749,7 +5741,17 @@
                 <a:latin typeface="Courier New" panose="02070309020205020404" pitchFamily="49" charset="0"/>
                 <a:cs typeface="Courier New" panose="02070309020205020404" pitchFamily="49" charset="0"/>
               </a:rPr>
-              <a:t>; </a:t>
+              <a:t>;</a:t>
+            </a:r>
+            <a:r>
+              <a:rPr lang="uk-UA" altLang="uk-UA" sz="1600" dirty="0">
+                <a:solidFill>
+                  <a:srgbClr val="808080"/>
+                </a:solidFill>
+                <a:latin typeface="Courier New" panose="02070309020205020404" pitchFamily="49" charset="0"/>
+                <a:cs typeface="Courier New" panose="02070309020205020404" pitchFamily="49" charset="0"/>
+              </a:rPr>
+              <a:t> // Коментар</a:t>
             </a:r>
             <a:r>
               <a:rPr kumimoji="0" lang="uk-UA" altLang="uk-UA" sz="1600" b="0" i="0" u="none" strike="noStrike" cap="none" normalizeH="0" baseline="0" dirty="0">
@@ -5757,13 +5759,13 @@
                   <a:noFill/>
                 </a:ln>
                 <a:solidFill>
-                  <a:srgbClr val="808080"/>
-                </a:solidFill>
-                <a:effectLst/>
-                <a:latin typeface="Courier New" panose="02070309020205020404" pitchFamily="49" charset="0"/>
-                <a:cs typeface="Courier New" panose="02070309020205020404" pitchFamily="49" charset="0"/>
-              </a:rPr>
-              <a:t>// Коментар</a:t>
+                  <a:srgbClr val="CC7832"/>
+                </a:solidFill>
+                <a:effectLst/>
+                <a:latin typeface="Courier New" panose="02070309020205020404" pitchFamily="49" charset="0"/>
+                <a:cs typeface="Courier New" panose="02070309020205020404" pitchFamily="49" charset="0"/>
+              </a:rPr>
+              <a:t> </a:t>
             </a:r>
             <a:br>
               <a:rPr kumimoji="0" lang="uk-UA" altLang="uk-UA" sz="1600" b="0" i="0" u="none" strike="noStrike" cap="none" normalizeH="0" baseline="0" dirty="0">
@@ -6180,7 +6182,7 @@
         </p:nvSpPr>
         <p:spPr>
           <a:xfrm>
-            <a:off x="5061168" y="3429000"/>
+            <a:off x="4924981" y="3428997"/>
             <a:ext cx="3128675" cy="538163"/>
           </a:xfrm>
           <a:prstGeom prst="rightArrow">
@@ -30607,7 +30609,7 @@
                         <a:tabLst/>
                       </a:pPr>
                       <a:r>
-                        <a:rPr kumimoji="0" lang="ru-RU" altLang="ru-RU" sz="2000" b="1" i="0" u="none" strike="noStrike" cap="none" normalizeH="0" baseline="0">
+                        <a:rPr kumimoji="0" lang="ru-RU" altLang="ru-RU" sz="2000" b="1" i="0" u="none" strike="noStrike" cap="none" normalizeH="0" baseline="0" dirty="0" err="1">
                           <a:ln>
                             <a:noFill/>
                           </a:ln>
@@ -30620,7 +30622,7 @@
                         </a:rPr>
                         <a:t>goto</a:t>
                       </a:r>
-                      <a:endParaRPr kumimoji="0" lang="ru-RU" altLang="ru-RU" sz="2000" b="1" i="0" u="none" strike="noStrike" cap="none" normalizeH="0" baseline="0">
+                      <a:endParaRPr kumimoji="0" lang="ru-RU" altLang="ru-RU" sz="2000" b="1" i="0" u="none" strike="noStrike" cap="none" normalizeH="0" baseline="0" dirty="0">
                         <a:ln>
                           <a:noFill/>
                         </a:ln>
